--- a/Angular系列讲座 – 概述.pptx
+++ b/Angular系列讲座 – 概述.pptx
@@ -110,6 +110,11 @@
       </a:defRPr>
     </a:lvl9pPr>
   </p:defaultTextStyle>
+  <p:extLst>
+    <p:ext uri="{EFAFB233-063F-42B5-8137-9DF3F51BA10A}">
+      <p15:sldGuideLst xmlns:p15="http://schemas.microsoft.com/office/powerpoint/2012/main"/>
+    </p:ext>
+  </p:extLst>
 </p:presentation>
 </file>
 
@@ -3272,6 +3277,13 @@
         </dgm:presLayoutVars>
       </dgm:prSet>
       <dgm:spPr/>
+      <dgm:t>
+        <a:bodyPr/>
+        <a:lstStyle/>
+        <a:p>
+          <a:endParaRPr lang="zh-CN" altLang="en-US"/>
+        </a:p>
+      </dgm:t>
     </dgm:pt>
     <dgm:pt modelId="{1CB1DE2B-AD49-4C72-A327-83F289601D6A}" type="pres">
       <dgm:prSet presAssocID="{064ACC2A-517A-411D-B1E1-AA0EB02DCD38}" presName="Name1" presStyleCnt="0"/>
@@ -3288,6 +3300,13 @@
     <dgm:pt modelId="{447461B1-5D46-4ACF-B6CD-489A0231BA62}" type="pres">
       <dgm:prSet presAssocID="{064ACC2A-517A-411D-B1E1-AA0EB02DCD38}" presName="conn" presStyleLbl="parChTrans1D2" presStyleIdx="0" presStyleCnt="1"/>
       <dgm:spPr/>
+      <dgm:t>
+        <a:bodyPr/>
+        <a:lstStyle/>
+        <a:p>
+          <a:endParaRPr lang="zh-CN" altLang="en-US"/>
+        </a:p>
+      </dgm:t>
     </dgm:pt>
     <dgm:pt modelId="{AD8F81D4-3AB5-4ED2-AC16-4C7A7112C4AC}" type="pres">
       <dgm:prSet presAssocID="{064ACC2A-517A-411D-B1E1-AA0EB02DCD38}" presName="extraNode" presStyleLbl="node1" presStyleIdx="0" presStyleCnt="4"/>
@@ -3304,6 +3323,13 @@
         </dgm:presLayoutVars>
       </dgm:prSet>
       <dgm:spPr/>
+      <dgm:t>
+        <a:bodyPr/>
+        <a:lstStyle/>
+        <a:p>
+          <a:endParaRPr lang="zh-CN" altLang="en-US"/>
+        </a:p>
+      </dgm:t>
     </dgm:pt>
     <dgm:pt modelId="{9A1213C5-CDD1-45F9-801F-A09D01F0BD74}" type="pres">
       <dgm:prSet presAssocID="{588700ED-7098-4A8C-8FE5-4C7D40FF4339}" presName="accent_1" presStyleCnt="0"/>
@@ -3343,6 +3369,13 @@
         </dgm:presLayoutVars>
       </dgm:prSet>
       <dgm:spPr/>
+      <dgm:t>
+        <a:bodyPr/>
+        <a:lstStyle/>
+        <a:p>
+          <a:endParaRPr lang="zh-CN" altLang="en-US"/>
+        </a:p>
+      </dgm:t>
     </dgm:pt>
     <dgm:pt modelId="{1EF82085-D4DD-4D78-B3E7-9A89566463B2}" type="pres">
       <dgm:prSet presAssocID="{C0AF30B2-8CCB-4E9F-B710-30291D6EA59E}" presName="accent_3" presStyleCnt="0"/>
@@ -3378,15 +3411,15 @@
   </dgm:ptLst>
   <dgm:cxnLst>
     <dgm:cxn modelId="{4C00C3EB-E6C4-4542-AF6D-4BD1D93D77A0}" type="presOf" srcId="{064ACC2A-517A-411D-B1E1-AA0EB02DCD38}" destId="{5FD88050-E457-44F8-A1CE-D230184B5C8B}" srcOrd="0" destOrd="0" presId="urn:microsoft.com/office/officeart/2008/layout/VerticalCurvedList"/>
+    <dgm:cxn modelId="{9571884E-89DC-47BC-96E7-3608BE623136}" srcId="{064ACC2A-517A-411D-B1E1-AA0EB02DCD38}" destId="{C0AF30B2-8CCB-4E9F-B710-30291D6EA59E}" srcOrd="2" destOrd="0" parTransId="{1D499C23-721C-466F-AE6C-20DE378AC4A8}" sibTransId="{3DC07BA2-1AA5-4F71-AAC0-E3565C649CD6}"/>
+    <dgm:cxn modelId="{95DD13C4-A795-4FBD-9824-04C4138D7D24}" type="presOf" srcId="{80E9555F-6B5A-4500-8B21-D3746207DBA5}" destId="{4613E0BB-A99E-427B-A26E-04F58A657B00}" srcOrd="0" destOrd="0" presId="urn:microsoft.com/office/officeart/2008/layout/VerticalCurvedList"/>
+    <dgm:cxn modelId="{30B18A68-8A77-44DE-B22D-8ECDD92A7FBB}" type="presOf" srcId="{6394281E-6085-42AB-9A0F-1146E9A16F35}" destId="{C115C974-7BC1-4847-9275-48ED8C6D39CA}" srcOrd="0" destOrd="0" presId="urn:microsoft.com/office/officeart/2008/layout/VerticalCurvedList"/>
+    <dgm:cxn modelId="{8B1204D3-E396-4A3C-AAAE-64646C37D055}" srcId="{064ACC2A-517A-411D-B1E1-AA0EB02DCD38}" destId="{80E9555F-6B5A-4500-8B21-D3746207DBA5}" srcOrd="3" destOrd="0" parTransId="{58CD2B36-9AF3-4AD3-B4A1-FC13CF4564CA}" sibTransId="{480E7416-35FA-4D8B-AC68-EAE67562F85B}"/>
     <dgm:cxn modelId="{D4A39CDC-71EE-48C0-B300-AD5F300B3306}" type="presOf" srcId="{9EB77684-AA5C-4754-93B9-5CF7BF440913}" destId="{447461B1-5D46-4ACF-B6CD-489A0231BA62}" srcOrd="0" destOrd="0" presId="urn:microsoft.com/office/officeart/2008/layout/VerticalCurvedList"/>
-    <dgm:cxn modelId="{8B1204D3-E396-4A3C-AAAE-64646C37D055}" srcId="{064ACC2A-517A-411D-B1E1-AA0EB02DCD38}" destId="{80E9555F-6B5A-4500-8B21-D3746207DBA5}" srcOrd="3" destOrd="0" parTransId="{58CD2B36-9AF3-4AD3-B4A1-FC13CF4564CA}" sibTransId="{480E7416-35FA-4D8B-AC68-EAE67562F85B}"/>
     <dgm:cxn modelId="{3E13D3BF-E286-4C50-9140-71F66C9AF36C}" srcId="{064ACC2A-517A-411D-B1E1-AA0EB02DCD38}" destId="{6394281E-6085-42AB-9A0F-1146E9A16F35}" srcOrd="1" destOrd="0" parTransId="{1CCC93C2-3FD6-46DE-8B95-9131C89FB6BF}" sibTransId="{28AB07DC-94EA-486E-AEAF-E762593C42DE}"/>
+    <dgm:cxn modelId="{EBC4C10F-2BC0-4632-8E35-42C15DAEA5EA}" srcId="{064ACC2A-517A-411D-B1E1-AA0EB02DCD38}" destId="{588700ED-7098-4A8C-8FE5-4C7D40FF4339}" srcOrd="0" destOrd="0" parTransId="{CC4BD209-03FD-4794-AED0-DD5C13869E03}" sibTransId="{9EB77684-AA5C-4754-93B9-5CF7BF440913}"/>
+    <dgm:cxn modelId="{F2C66A6A-E9E2-4CA2-9888-7ECFC77D59E7}" type="presOf" srcId="{C0AF30B2-8CCB-4E9F-B710-30291D6EA59E}" destId="{4803D049-9F44-4F67-B028-BC2A3AC06D6C}" srcOrd="0" destOrd="0" presId="urn:microsoft.com/office/officeart/2008/layout/VerticalCurvedList"/>
     <dgm:cxn modelId="{5811FE9A-B55F-4D36-A137-13D8ECCE7EF2}" type="presOf" srcId="{588700ED-7098-4A8C-8FE5-4C7D40FF4339}" destId="{9DE6CFDB-2DEF-47E7-AA94-4147820A5E71}" srcOrd="0" destOrd="0" presId="urn:microsoft.com/office/officeart/2008/layout/VerticalCurvedList"/>
-    <dgm:cxn modelId="{30B18A68-8A77-44DE-B22D-8ECDD92A7FBB}" type="presOf" srcId="{6394281E-6085-42AB-9A0F-1146E9A16F35}" destId="{C115C974-7BC1-4847-9275-48ED8C6D39CA}" srcOrd="0" destOrd="0" presId="urn:microsoft.com/office/officeart/2008/layout/VerticalCurvedList"/>
-    <dgm:cxn modelId="{95DD13C4-A795-4FBD-9824-04C4138D7D24}" type="presOf" srcId="{80E9555F-6B5A-4500-8B21-D3746207DBA5}" destId="{4613E0BB-A99E-427B-A26E-04F58A657B00}" srcOrd="0" destOrd="0" presId="urn:microsoft.com/office/officeart/2008/layout/VerticalCurvedList"/>
-    <dgm:cxn modelId="{9571884E-89DC-47BC-96E7-3608BE623136}" srcId="{064ACC2A-517A-411D-B1E1-AA0EB02DCD38}" destId="{C0AF30B2-8CCB-4E9F-B710-30291D6EA59E}" srcOrd="2" destOrd="0" parTransId="{1D499C23-721C-466F-AE6C-20DE378AC4A8}" sibTransId="{3DC07BA2-1AA5-4F71-AAC0-E3565C649CD6}"/>
-    <dgm:cxn modelId="{F2C66A6A-E9E2-4CA2-9888-7ECFC77D59E7}" type="presOf" srcId="{C0AF30B2-8CCB-4E9F-B710-30291D6EA59E}" destId="{4803D049-9F44-4F67-B028-BC2A3AC06D6C}" srcOrd="0" destOrd="0" presId="urn:microsoft.com/office/officeart/2008/layout/VerticalCurvedList"/>
-    <dgm:cxn modelId="{EBC4C10F-2BC0-4632-8E35-42C15DAEA5EA}" srcId="{064ACC2A-517A-411D-B1E1-AA0EB02DCD38}" destId="{588700ED-7098-4A8C-8FE5-4C7D40FF4339}" srcOrd="0" destOrd="0" parTransId="{CC4BD209-03FD-4794-AED0-DD5C13869E03}" sibTransId="{9EB77684-AA5C-4754-93B9-5CF7BF440913}"/>
     <dgm:cxn modelId="{5519A4C4-01C6-4E10-95BC-C8EEB6A1D942}" type="presParOf" srcId="{5FD88050-E457-44F8-A1CE-D230184B5C8B}" destId="{1CB1DE2B-AD49-4C72-A327-83F289601D6A}" srcOrd="0" destOrd="0" presId="urn:microsoft.com/office/officeart/2008/layout/VerticalCurvedList"/>
     <dgm:cxn modelId="{4245D713-F5B6-4BBA-8ABB-F85E2B185ECF}" type="presParOf" srcId="{1CB1DE2B-AD49-4C72-A327-83F289601D6A}" destId="{9A72A818-A69F-4A8B-85BD-B6D6CD72721A}" srcOrd="0" destOrd="0" presId="urn:microsoft.com/office/officeart/2008/layout/VerticalCurvedList"/>
     <dgm:cxn modelId="{6D54002E-AE08-416A-BC8F-9AC6D709911D}" type="presParOf" srcId="{9A72A818-A69F-4A8B-85BD-B6D6CD72721A}" destId="{C9EDE74C-7E2D-45C8-ABFC-6B78F3ED58CE}" srcOrd="0" destOrd="0" presId="urn:microsoft.com/office/officeart/2008/layout/VerticalCurvedList"/>
@@ -3611,6 +3644,13 @@
         </dgm:presLayoutVars>
       </dgm:prSet>
       <dgm:spPr/>
+      <dgm:t>
+        <a:bodyPr/>
+        <a:lstStyle/>
+        <a:p>
+          <a:endParaRPr lang="zh-CN" altLang="en-US"/>
+        </a:p>
+      </dgm:t>
     </dgm:pt>
     <dgm:pt modelId="{AAD07A8C-BBAA-40C8-8AF3-B208E2F8BC98}" type="pres">
       <dgm:prSet presAssocID="{44A25FB2-E636-424A-97F8-88540AC28C61}" presName="thickLine" presStyleLbl="alignNode1" presStyleIdx="0" presStyleCnt="4"/>
@@ -3669,6 +3709,13 @@
     <dgm:pt modelId="{780BA787-5C7B-4BFE-827D-553829DED2EA}" type="pres">
       <dgm:prSet presAssocID="{4F94D0BB-ACC9-4957-912C-3574DB4079C3}" presName="tx1" presStyleLbl="revTx" presStyleIdx="2" presStyleCnt="4"/>
       <dgm:spPr/>
+      <dgm:t>
+        <a:bodyPr/>
+        <a:lstStyle/>
+        <a:p>
+          <a:endParaRPr lang="zh-CN" altLang="en-US"/>
+        </a:p>
+      </dgm:t>
     </dgm:pt>
     <dgm:pt modelId="{3E058317-EA68-4B61-A81C-2ADF32271E62}" type="pres">
       <dgm:prSet presAssocID="{4F94D0BB-ACC9-4957-912C-3574DB4079C3}" presName="vert1" presStyleCnt="0"/>
@@ -3685,6 +3732,13 @@
     <dgm:pt modelId="{65CBA467-7D5F-449E-9C09-6E533D642B66}" type="pres">
       <dgm:prSet presAssocID="{44EFAD20-C6DF-4CD1-B74E-4E76B927876C}" presName="tx1" presStyleLbl="revTx" presStyleIdx="3" presStyleCnt="4"/>
       <dgm:spPr/>
+      <dgm:t>
+        <a:bodyPr/>
+        <a:lstStyle/>
+        <a:p>
+          <a:endParaRPr lang="zh-CN" altLang="en-US"/>
+        </a:p>
+      </dgm:t>
     </dgm:pt>
     <dgm:pt modelId="{DFA979CA-410B-4E54-A8C2-972BF330EED1}" type="pres">
       <dgm:prSet presAssocID="{44EFAD20-C6DF-4CD1-B74E-4E76B927876C}" presName="vert1" presStyleCnt="0"/>
@@ -3692,15 +3746,15 @@
     </dgm:pt>
   </dgm:ptLst>
   <dgm:cxnLst>
-    <dgm:cxn modelId="{0EC23373-752B-4DAB-A873-C43D40900E71}" type="presOf" srcId="{158FF5AC-E1AD-4EC9-9563-2AA3F6D6EF9E}" destId="{A4BBBD96-0D3A-4D42-A608-6F0C02261EA5}" srcOrd="0" destOrd="0" presId="urn:microsoft.com/office/officeart/2008/layout/LinedList"/>
+    <dgm:cxn modelId="{4EBEF5E5-F3E3-4FC1-9D13-09A2C4661927}" srcId="{158FF5AC-E1AD-4EC9-9563-2AA3F6D6EF9E}" destId="{ED65891D-D5BF-4689-AB1B-33B6A7050203}" srcOrd="1" destOrd="0" parTransId="{8D895756-F25A-47C6-A3FC-4C6911616E4A}" sibTransId="{B6FF3CD3-C213-4683-988E-ABA3391D9399}"/>
     <dgm:cxn modelId="{718648B0-B782-4B60-B1FE-87CABDD81AB1}" srcId="{158FF5AC-E1AD-4EC9-9563-2AA3F6D6EF9E}" destId="{4F94D0BB-ACC9-4957-912C-3574DB4079C3}" srcOrd="2" destOrd="0" parTransId="{B5429A48-E3BC-453C-94AF-802DD95601E6}" sibTransId="{DF25411A-96D4-4CFA-BBA0-4B89662467ED}"/>
     <dgm:cxn modelId="{D72F9F34-B6C0-4731-9804-462BBED02816}" type="presOf" srcId="{4F94D0BB-ACC9-4957-912C-3574DB4079C3}" destId="{780BA787-5C7B-4BFE-827D-553829DED2EA}" srcOrd="0" destOrd="0" presId="urn:microsoft.com/office/officeart/2008/layout/LinedList"/>
-    <dgm:cxn modelId="{4EBEF5E5-F3E3-4FC1-9D13-09A2C4661927}" srcId="{158FF5AC-E1AD-4EC9-9563-2AA3F6D6EF9E}" destId="{ED65891D-D5BF-4689-AB1B-33B6A7050203}" srcOrd="1" destOrd="0" parTransId="{8D895756-F25A-47C6-A3FC-4C6911616E4A}" sibTransId="{B6FF3CD3-C213-4683-988E-ABA3391D9399}"/>
+    <dgm:cxn modelId="{15BECF34-2FC3-4A54-81FB-90F12536075F}" srcId="{158FF5AC-E1AD-4EC9-9563-2AA3F6D6EF9E}" destId="{44A25FB2-E636-424A-97F8-88540AC28C61}" srcOrd="0" destOrd="0" parTransId="{94C2810F-C1DE-4FC4-B7F0-BA655AB58B59}" sibTransId="{317B4966-C723-45B3-8E9B-EE7BBDB9C993}"/>
+    <dgm:cxn modelId="{3DE5EA12-D768-48B0-B2C5-49AEBCFC7076}" type="presOf" srcId="{ED65891D-D5BF-4689-AB1B-33B6A7050203}" destId="{EAC75F0E-16F1-44BE-AC12-DCAC32E2837F}" srcOrd="0" destOrd="0" presId="urn:microsoft.com/office/officeart/2008/layout/LinedList"/>
     <dgm:cxn modelId="{C7F04641-0EA8-4846-91DE-016B7239C477}" type="presOf" srcId="{44A25FB2-E636-424A-97F8-88540AC28C61}" destId="{723262BD-4026-4F96-A497-F4629AF90DEF}" srcOrd="0" destOrd="0" presId="urn:microsoft.com/office/officeart/2008/layout/LinedList"/>
-    <dgm:cxn modelId="{15BECF34-2FC3-4A54-81FB-90F12536075F}" srcId="{158FF5AC-E1AD-4EC9-9563-2AA3F6D6EF9E}" destId="{44A25FB2-E636-424A-97F8-88540AC28C61}" srcOrd="0" destOrd="0" parTransId="{94C2810F-C1DE-4FC4-B7F0-BA655AB58B59}" sibTransId="{317B4966-C723-45B3-8E9B-EE7BBDB9C993}"/>
+    <dgm:cxn modelId="{0EC23373-752B-4DAB-A873-C43D40900E71}" type="presOf" srcId="{158FF5AC-E1AD-4EC9-9563-2AA3F6D6EF9E}" destId="{A4BBBD96-0D3A-4D42-A608-6F0C02261EA5}" srcOrd="0" destOrd="0" presId="urn:microsoft.com/office/officeart/2008/layout/LinedList"/>
     <dgm:cxn modelId="{0FA13F97-3683-40A9-BF77-9218094C5D37}" type="presOf" srcId="{44EFAD20-C6DF-4CD1-B74E-4E76B927876C}" destId="{65CBA467-7D5F-449E-9C09-6E533D642B66}" srcOrd="0" destOrd="0" presId="urn:microsoft.com/office/officeart/2008/layout/LinedList"/>
     <dgm:cxn modelId="{CE793186-DB6C-4808-BB95-C7CD83830F7D}" srcId="{158FF5AC-E1AD-4EC9-9563-2AA3F6D6EF9E}" destId="{44EFAD20-C6DF-4CD1-B74E-4E76B927876C}" srcOrd="3" destOrd="0" parTransId="{C2D8DE5C-F24E-4BA4-8FCF-E7935328398E}" sibTransId="{F4669CA9-615A-4642-8B67-E21571A8E3F7}"/>
-    <dgm:cxn modelId="{3DE5EA12-D768-48B0-B2C5-49AEBCFC7076}" type="presOf" srcId="{ED65891D-D5BF-4689-AB1B-33B6A7050203}" destId="{EAC75F0E-16F1-44BE-AC12-DCAC32E2837F}" srcOrd="0" destOrd="0" presId="urn:microsoft.com/office/officeart/2008/layout/LinedList"/>
     <dgm:cxn modelId="{4FC96370-CF2D-4AF3-A734-66DB3672609A}" type="presParOf" srcId="{A4BBBD96-0D3A-4D42-A608-6F0C02261EA5}" destId="{AAD07A8C-BBAA-40C8-8AF3-B208E2F8BC98}" srcOrd="0" destOrd="0" presId="urn:microsoft.com/office/officeart/2008/layout/LinedList"/>
     <dgm:cxn modelId="{4C065960-338C-4B66-8358-D4954257A3E6}" type="presParOf" srcId="{A4BBBD96-0D3A-4D42-A608-6F0C02261EA5}" destId="{7B642706-6276-4BFF-981F-B6AC867CE981}" srcOrd="1" destOrd="0" presId="urn:microsoft.com/office/officeart/2008/layout/LinedList"/>
     <dgm:cxn modelId="{9B3C7841-355E-4BA1-B07B-3946FCABFAB7}" type="presParOf" srcId="{7B642706-6276-4BFF-981F-B6AC867CE981}" destId="{723262BD-4026-4F96-A497-F4629AF90DEF}" srcOrd="0" destOrd="0" presId="urn:microsoft.com/office/officeart/2008/layout/LinedList"/>
@@ -3825,7 +3879,7 @@
         <a:p>
           <a:r>
             <a:rPr lang="zh-CN" altLang="en-US" dirty="0" smtClean="0"/>
-            <a:t>前端</a:t>
+            <a:t>教程</a:t>
           </a:r>
           <a:endParaRPr lang="zh-CN" altLang="en-US" dirty="0"/>
         </a:p>
@@ -3843,43 +3897,6 @@
       </dgm:t>
     </dgm:pt>
     <dgm:pt modelId="{187C3BF7-6260-4B2E-B9AF-65F6D8D56B82}" type="sibTrans" cxnId="{7D178063-649B-451A-9623-C20D6D8F2B30}">
-      <dgm:prSet/>
-      <dgm:spPr/>
-      <dgm:t>
-        <a:bodyPr/>
-        <a:lstStyle/>
-        <a:p>
-          <a:endParaRPr lang="zh-CN" altLang="en-US"/>
-        </a:p>
-      </dgm:t>
-    </dgm:pt>
-    <dgm:pt modelId="{597210A8-C5AC-44B5-B466-6D8911E99BBC}">
-      <dgm:prSet phldrT="[文本]"/>
-      <dgm:spPr/>
-      <dgm:t>
-        <a:bodyPr/>
-        <a:lstStyle/>
-        <a:p>
-          <a:r>
-            <a:rPr lang="zh-CN" altLang="en-US" dirty="0" smtClean="0"/>
-            <a:t>教程</a:t>
-          </a:r>
-          <a:endParaRPr lang="zh-CN" altLang="en-US" dirty="0"/>
-        </a:p>
-      </dgm:t>
-    </dgm:pt>
-    <dgm:pt modelId="{19CACD3D-731E-47BE-98E0-1F3AAC7DB461}" type="parTrans" cxnId="{AAE1C044-4A0E-4D37-84B4-36FE2EE97CE1}">
-      <dgm:prSet/>
-      <dgm:spPr/>
-      <dgm:t>
-        <a:bodyPr/>
-        <a:lstStyle/>
-        <a:p>
-          <a:endParaRPr lang="zh-CN" altLang="en-US"/>
-        </a:p>
-      </dgm:t>
-    </dgm:pt>
-    <dgm:pt modelId="{D0218BF3-4CA7-4B48-85B3-5BBB91BB5638}" type="sibTrans" cxnId="{AAE1C044-4A0E-4D37-84B4-36FE2EE97CE1}">
       <dgm:prSet/>
       <dgm:spPr/>
       <dgm:t>
@@ -3978,17 +3995,24 @@
         </dgm:presLayoutVars>
       </dgm:prSet>
       <dgm:spPr/>
+      <dgm:t>
+        <a:bodyPr/>
+        <a:lstStyle/>
+        <a:p>
+          <a:endParaRPr lang="zh-CN" altLang="en-US"/>
+        </a:p>
+      </dgm:t>
     </dgm:pt>
     <dgm:pt modelId="{7CF6B6D8-0C95-42E3-B87F-86B2138B0E1B}" type="pres">
       <dgm:prSet presAssocID="{DDF8DB1C-4673-4FB8-95FB-1114C290C53B}" presName="composite" presStyleCnt="0"/>
       <dgm:spPr/>
     </dgm:pt>
     <dgm:pt modelId="{030721F5-3832-4B36-AA6B-3292522F4F42}" type="pres">
-      <dgm:prSet presAssocID="{DDF8DB1C-4673-4FB8-95FB-1114C290C53B}" presName="LShape" presStyleLbl="alignNode1" presStyleIdx="0" presStyleCnt="11"/>
+      <dgm:prSet presAssocID="{DDF8DB1C-4673-4FB8-95FB-1114C290C53B}" presName="LShape" presStyleLbl="alignNode1" presStyleIdx="0" presStyleCnt="9"/>
       <dgm:spPr/>
     </dgm:pt>
     <dgm:pt modelId="{AB87B61F-2376-476C-B61A-9AB42572AADA}" type="pres">
-      <dgm:prSet presAssocID="{DDF8DB1C-4673-4FB8-95FB-1114C290C53B}" presName="ParentText" presStyleLbl="revTx" presStyleIdx="0" presStyleCnt="6">
+      <dgm:prSet presAssocID="{DDF8DB1C-4673-4FB8-95FB-1114C290C53B}" presName="ParentText" presStyleLbl="revTx" presStyleIdx="0" presStyleCnt="5">
         <dgm:presLayoutVars>
           <dgm:chMax val="0"/>
           <dgm:chPref val="0"/>
@@ -4005,7 +4029,7 @@
       </dgm:t>
     </dgm:pt>
     <dgm:pt modelId="{A6E91278-4FC8-448D-98AB-30042EEE1F7D}" type="pres">
-      <dgm:prSet presAssocID="{DDF8DB1C-4673-4FB8-95FB-1114C290C53B}" presName="Triangle" presStyleLbl="alignNode1" presStyleIdx="1" presStyleCnt="11"/>
+      <dgm:prSet presAssocID="{DDF8DB1C-4673-4FB8-95FB-1114C290C53B}" presName="Triangle" presStyleLbl="alignNode1" presStyleIdx="1" presStyleCnt="9"/>
       <dgm:spPr/>
     </dgm:pt>
     <dgm:pt modelId="{3A502D5C-A305-4545-9D99-D80433EF2881}" type="pres">
@@ -4021,11 +4045,11 @@
       <dgm:spPr/>
     </dgm:pt>
     <dgm:pt modelId="{8E50B116-2F77-409A-AF37-768AE0A81214}" type="pres">
-      <dgm:prSet presAssocID="{DFC2EF89-236E-4FDA-B8FD-93106FA95168}" presName="LShape" presStyleLbl="alignNode1" presStyleIdx="2" presStyleCnt="11"/>
+      <dgm:prSet presAssocID="{DFC2EF89-236E-4FDA-B8FD-93106FA95168}" presName="LShape" presStyleLbl="alignNode1" presStyleIdx="2" presStyleCnt="9"/>
       <dgm:spPr/>
     </dgm:pt>
     <dgm:pt modelId="{4A15562E-3622-4189-8C94-B40369FECCC9}" type="pres">
-      <dgm:prSet presAssocID="{DFC2EF89-236E-4FDA-B8FD-93106FA95168}" presName="ParentText" presStyleLbl="revTx" presStyleIdx="1" presStyleCnt="6">
+      <dgm:prSet presAssocID="{DFC2EF89-236E-4FDA-B8FD-93106FA95168}" presName="ParentText" presStyleLbl="revTx" presStyleIdx="1" presStyleCnt="5">
         <dgm:presLayoutVars>
           <dgm:chMax val="0"/>
           <dgm:chPref val="0"/>
@@ -4033,9 +4057,16 @@
         </dgm:presLayoutVars>
       </dgm:prSet>
       <dgm:spPr/>
+      <dgm:t>
+        <a:bodyPr/>
+        <a:lstStyle/>
+        <a:p>
+          <a:endParaRPr lang="zh-CN" altLang="en-US"/>
+        </a:p>
+      </dgm:t>
     </dgm:pt>
     <dgm:pt modelId="{425D24FA-D2A2-4A89-9470-88791819B0CC}" type="pres">
-      <dgm:prSet presAssocID="{DFC2EF89-236E-4FDA-B8FD-93106FA95168}" presName="Triangle" presStyleLbl="alignNode1" presStyleIdx="3" presStyleCnt="11"/>
+      <dgm:prSet presAssocID="{DFC2EF89-236E-4FDA-B8FD-93106FA95168}" presName="Triangle" presStyleLbl="alignNode1" presStyleIdx="3" presStyleCnt="9"/>
       <dgm:spPr/>
     </dgm:pt>
     <dgm:pt modelId="{8F03F425-BBF6-4EE0-B1DC-403EC67BFFC4}" type="pres">
@@ -4051,11 +4082,11 @@
       <dgm:spPr/>
     </dgm:pt>
     <dgm:pt modelId="{72AD4C2C-9E04-4FF8-A507-A63DF3D42501}" type="pres">
-      <dgm:prSet presAssocID="{3BD31C71-461B-4BC2-B0AA-16F75E9623B7}" presName="LShape" presStyleLbl="alignNode1" presStyleIdx="4" presStyleCnt="11"/>
+      <dgm:prSet presAssocID="{3BD31C71-461B-4BC2-B0AA-16F75E9623B7}" presName="LShape" presStyleLbl="alignNode1" presStyleIdx="4" presStyleCnt="9"/>
       <dgm:spPr/>
     </dgm:pt>
     <dgm:pt modelId="{833D20D5-667D-418E-9948-48F0E308F522}" type="pres">
-      <dgm:prSet presAssocID="{3BD31C71-461B-4BC2-B0AA-16F75E9623B7}" presName="ParentText" presStyleLbl="revTx" presStyleIdx="2" presStyleCnt="6">
+      <dgm:prSet presAssocID="{3BD31C71-461B-4BC2-B0AA-16F75E9623B7}" presName="ParentText" presStyleLbl="revTx" presStyleIdx="2" presStyleCnt="5">
         <dgm:presLayoutVars>
           <dgm:chMax val="0"/>
           <dgm:chPref val="0"/>
@@ -4072,7 +4103,7 @@
       </dgm:t>
     </dgm:pt>
     <dgm:pt modelId="{AB539FCD-05DB-49F5-A432-244C81B34CE4}" type="pres">
-      <dgm:prSet presAssocID="{3BD31C71-461B-4BC2-B0AA-16F75E9623B7}" presName="Triangle" presStyleLbl="alignNode1" presStyleIdx="5" presStyleCnt="11"/>
+      <dgm:prSet presAssocID="{3BD31C71-461B-4BC2-B0AA-16F75E9623B7}" presName="Triangle" presStyleLbl="alignNode1" presStyleIdx="5" presStyleCnt="9"/>
       <dgm:spPr/>
     </dgm:pt>
     <dgm:pt modelId="{8A87A702-DCB3-418C-A017-7F97E7D87F81}" type="pres">
@@ -4088,11 +4119,11 @@
       <dgm:spPr/>
     </dgm:pt>
     <dgm:pt modelId="{B9F79611-66E1-4116-BBB8-4DD9E8F598BB}" type="pres">
-      <dgm:prSet presAssocID="{2B8BBA7B-4F8A-41E9-8E1D-078B2E1340F2}" presName="LShape" presStyleLbl="alignNode1" presStyleIdx="6" presStyleCnt="11"/>
+      <dgm:prSet presAssocID="{2B8BBA7B-4F8A-41E9-8E1D-078B2E1340F2}" presName="LShape" presStyleLbl="alignNode1" presStyleIdx="6" presStyleCnt="9"/>
       <dgm:spPr/>
     </dgm:pt>
     <dgm:pt modelId="{CB46D742-D864-4066-9055-10E7AF99FCC2}" type="pres">
-      <dgm:prSet presAssocID="{2B8BBA7B-4F8A-41E9-8E1D-078B2E1340F2}" presName="ParentText" presStyleLbl="revTx" presStyleIdx="3" presStyleCnt="6">
+      <dgm:prSet presAssocID="{2B8BBA7B-4F8A-41E9-8E1D-078B2E1340F2}" presName="ParentText" presStyleLbl="revTx" presStyleIdx="3" presStyleCnt="5">
         <dgm:presLayoutVars>
           <dgm:chMax val="0"/>
           <dgm:chPref val="0"/>
@@ -4109,7 +4140,7 @@
       </dgm:t>
     </dgm:pt>
     <dgm:pt modelId="{5CC3E1C4-55D5-41AA-826B-F039B9A083E1}" type="pres">
-      <dgm:prSet presAssocID="{2B8BBA7B-4F8A-41E9-8E1D-078B2E1340F2}" presName="Triangle" presStyleLbl="alignNode1" presStyleIdx="7" presStyleCnt="11"/>
+      <dgm:prSet presAssocID="{2B8BBA7B-4F8A-41E9-8E1D-078B2E1340F2}" presName="Triangle" presStyleLbl="alignNode1" presStyleIdx="7" presStyleCnt="9"/>
       <dgm:spPr/>
     </dgm:pt>
     <dgm:pt modelId="{FF5E5BC3-C743-4645-AAB1-024AB519A8F9}" type="pres">
@@ -4120,53 +4151,16 @@
       <dgm:prSet presAssocID="{187C3BF7-6260-4B2E-B9AF-65F6D8D56B82}" presName="space" presStyleCnt="0"/>
       <dgm:spPr/>
     </dgm:pt>
-    <dgm:pt modelId="{FF2226AF-06DC-4F66-9B65-116A1AE28437}" type="pres">
-      <dgm:prSet presAssocID="{597210A8-C5AC-44B5-B466-6D8911E99BBC}" presName="composite" presStyleCnt="0"/>
-      <dgm:spPr/>
-    </dgm:pt>
-    <dgm:pt modelId="{3C430440-8DA7-4D82-9436-B490D2A87464}" type="pres">
-      <dgm:prSet presAssocID="{597210A8-C5AC-44B5-B466-6D8911E99BBC}" presName="LShape" presStyleLbl="alignNode1" presStyleIdx="8" presStyleCnt="11"/>
-      <dgm:spPr/>
-    </dgm:pt>
-    <dgm:pt modelId="{E3BDA1EE-16C8-4F04-B96A-76209D221EB1}" type="pres">
-      <dgm:prSet presAssocID="{597210A8-C5AC-44B5-B466-6D8911E99BBC}" presName="ParentText" presStyleLbl="revTx" presStyleIdx="4" presStyleCnt="6">
-        <dgm:presLayoutVars>
-          <dgm:chMax val="0"/>
-          <dgm:chPref val="0"/>
-          <dgm:bulletEnabled val="1"/>
-        </dgm:presLayoutVars>
-      </dgm:prSet>
-      <dgm:spPr/>
-      <dgm:t>
-        <a:bodyPr/>
-        <a:lstStyle/>
-        <a:p>
-          <a:endParaRPr lang="zh-CN" altLang="en-US"/>
-        </a:p>
-      </dgm:t>
-    </dgm:pt>
-    <dgm:pt modelId="{03907868-04C6-481D-BFA9-25E8DC1AD5E6}" type="pres">
-      <dgm:prSet presAssocID="{597210A8-C5AC-44B5-B466-6D8911E99BBC}" presName="Triangle" presStyleLbl="alignNode1" presStyleIdx="9" presStyleCnt="11"/>
-      <dgm:spPr/>
-    </dgm:pt>
-    <dgm:pt modelId="{66D74320-437E-4F99-95AB-0D85275B7C96}" type="pres">
-      <dgm:prSet presAssocID="{D0218BF3-4CA7-4B48-85B3-5BBB91BB5638}" presName="sibTrans" presStyleCnt="0"/>
-      <dgm:spPr/>
-    </dgm:pt>
-    <dgm:pt modelId="{3788E138-C450-418A-A14E-8071CA0B306C}" type="pres">
-      <dgm:prSet presAssocID="{D0218BF3-4CA7-4B48-85B3-5BBB91BB5638}" presName="space" presStyleCnt="0"/>
-      <dgm:spPr/>
-    </dgm:pt>
     <dgm:pt modelId="{CEA39042-5051-4500-B78A-BC75C4AB2E52}" type="pres">
       <dgm:prSet presAssocID="{415BFE86-BB4A-43E7-9A36-406D45D9977F}" presName="composite" presStyleCnt="0"/>
       <dgm:spPr/>
     </dgm:pt>
     <dgm:pt modelId="{0E34F191-A624-466E-A4F1-AC25B06F1C5E}" type="pres">
-      <dgm:prSet presAssocID="{415BFE86-BB4A-43E7-9A36-406D45D9977F}" presName="LShape" presStyleLbl="alignNode1" presStyleIdx="10" presStyleCnt="11"/>
+      <dgm:prSet presAssocID="{415BFE86-BB4A-43E7-9A36-406D45D9977F}" presName="LShape" presStyleLbl="alignNode1" presStyleIdx="8" presStyleCnt="9"/>
       <dgm:spPr/>
     </dgm:pt>
     <dgm:pt modelId="{93665BD7-45E5-45EF-8E0B-361C19E5154D}" type="pres">
-      <dgm:prSet presAssocID="{415BFE86-BB4A-43E7-9A36-406D45D9977F}" presName="ParentText" presStyleLbl="revTx" presStyleIdx="5" presStyleCnt="6">
+      <dgm:prSet presAssocID="{415BFE86-BB4A-43E7-9A36-406D45D9977F}" presName="ParentText" presStyleLbl="revTx" presStyleIdx="4" presStyleCnt="5">
         <dgm:presLayoutVars>
           <dgm:chMax val="0"/>
           <dgm:chPref val="0"/>
@@ -4184,19 +4178,17 @@
     </dgm:pt>
   </dgm:ptLst>
   <dgm:cxnLst>
-    <dgm:cxn modelId="{AAE1C044-4A0E-4D37-84B4-36FE2EE97CE1}" srcId="{E1D02076-877D-45BF-9BFA-3D74DD18A1B7}" destId="{597210A8-C5AC-44B5-B466-6D8911E99BBC}" srcOrd="4" destOrd="0" parTransId="{19CACD3D-731E-47BE-98E0-1F3AAC7DB461}" sibTransId="{D0218BF3-4CA7-4B48-85B3-5BBB91BB5638}"/>
+    <dgm:cxn modelId="{7D178063-649B-451A-9623-C20D6D8F2B30}" srcId="{E1D02076-877D-45BF-9BFA-3D74DD18A1B7}" destId="{2B8BBA7B-4F8A-41E9-8E1D-078B2E1340F2}" srcOrd="3" destOrd="0" parTransId="{661B279C-61A6-42C6-99DB-9DB6957BA878}" sibTransId="{187C3BF7-6260-4B2E-B9AF-65F6D8D56B82}"/>
+    <dgm:cxn modelId="{168A6C7F-C679-4D9A-93FB-9E789400F865}" type="presOf" srcId="{DDF8DB1C-4673-4FB8-95FB-1114C290C53B}" destId="{AB87B61F-2376-476C-B61A-9AB42572AADA}" srcOrd="0" destOrd="0" presId="urn:microsoft.com/office/officeart/2009/3/layout/StepUpProcess"/>
     <dgm:cxn modelId="{C2671F6B-511B-487B-BB53-0CA8128083A2}" type="presOf" srcId="{2B8BBA7B-4F8A-41E9-8E1D-078B2E1340F2}" destId="{CB46D742-D864-4066-9055-10E7AF99FCC2}" srcOrd="0" destOrd="0" presId="urn:microsoft.com/office/officeart/2009/3/layout/StepUpProcess"/>
-    <dgm:cxn modelId="{A9EBB67B-EF23-48E5-8E27-4BCFEB73CEE2}" type="presOf" srcId="{415BFE86-BB4A-43E7-9A36-406D45D9977F}" destId="{93665BD7-45E5-45EF-8E0B-361C19E5154D}" srcOrd="0" destOrd="0" presId="urn:microsoft.com/office/officeart/2009/3/layout/StepUpProcess"/>
-    <dgm:cxn modelId="{0753A754-BF61-44E4-B41B-280CD8F6E151}" srcId="{E1D02076-877D-45BF-9BFA-3D74DD18A1B7}" destId="{DDF8DB1C-4673-4FB8-95FB-1114C290C53B}" srcOrd="0" destOrd="0" parTransId="{BDC136DA-E170-4F9B-AFEC-252E88F32048}" sibTransId="{64C8FE6D-7AE3-413A-9BB2-82FCBABB82F3}"/>
-    <dgm:cxn modelId="{8B588CA6-D2AB-43EA-870E-5C94E89620F0}" srcId="{E1D02076-877D-45BF-9BFA-3D74DD18A1B7}" destId="{DFC2EF89-236E-4FDA-B8FD-93106FA95168}" srcOrd="1" destOrd="0" parTransId="{18717623-ADAD-4816-A436-070387326F4B}" sibTransId="{DFEDF372-5D69-463D-978C-0A75936D6957}"/>
-    <dgm:cxn modelId="{168A6C7F-C679-4D9A-93FB-9E789400F865}" type="presOf" srcId="{DDF8DB1C-4673-4FB8-95FB-1114C290C53B}" destId="{AB87B61F-2376-476C-B61A-9AB42572AADA}" srcOrd="0" destOrd="0" presId="urn:microsoft.com/office/officeart/2009/3/layout/StepUpProcess"/>
-    <dgm:cxn modelId="{A7008FC8-6A5A-4840-A8D3-D74877F4B772}" type="presOf" srcId="{597210A8-C5AC-44B5-B466-6D8911E99BBC}" destId="{E3BDA1EE-16C8-4F04-B96A-76209D221EB1}" srcOrd="0" destOrd="0" presId="urn:microsoft.com/office/officeart/2009/3/layout/StepUpProcess"/>
     <dgm:cxn modelId="{C6B680A5-EFAF-4B82-B604-2030179C886B}" srcId="{E1D02076-877D-45BF-9BFA-3D74DD18A1B7}" destId="{3BD31C71-461B-4BC2-B0AA-16F75E9623B7}" srcOrd="2" destOrd="0" parTransId="{7FD0D226-3E80-4306-9711-569170B87B00}" sibTransId="{BD7A23BA-4609-470E-B6DA-D626ABC8584F}"/>
     <dgm:cxn modelId="{6B8296B7-F4AC-4FC1-8B39-3E1295817249}" type="presOf" srcId="{E1D02076-877D-45BF-9BFA-3D74DD18A1B7}" destId="{9083F9F9-3B94-4E7C-8A6D-BBDE623E9C1C}" srcOrd="0" destOrd="0" presId="urn:microsoft.com/office/officeart/2009/3/layout/StepUpProcess"/>
+    <dgm:cxn modelId="{20BF45A8-6488-44FD-AF71-E25D8DD8A793}" type="presOf" srcId="{3BD31C71-461B-4BC2-B0AA-16F75E9623B7}" destId="{833D20D5-667D-418E-9948-48F0E308F522}" srcOrd="0" destOrd="0" presId="urn:microsoft.com/office/officeart/2009/3/layout/StepUpProcess"/>
+    <dgm:cxn modelId="{8B588CA6-D2AB-43EA-870E-5C94E89620F0}" srcId="{E1D02076-877D-45BF-9BFA-3D74DD18A1B7}" destId="{DFC2EF89-236E-4FDA-B8FD-93106FA95168}" srcOrd="1" destOrd="0" parTransId="{18717623-ADAD-4816-A436-070387326F4B}" sibTransId="{DFEDF372-5D69-463D-978C-0A75936D6957}"/>
+    <dgm:cxn modelId="{0753A754-BF61-44E4-B41B-280CD8F6E151}" srcId="{E1D02076-877D-45BF-9BFA-3D74DD18A1B7}" destId="{DDF8DB1C-4673-4FB8-95FB-1114C290C53B}" srcOrd="0" destOrd="0" parTransId="{BDC136DA-E170-4F9B-AFEC-252E88F32048}" sibTransId="{64C8FE6D-7AE3-413A-9BB2-82FCBABB82F3}"/>
     <dgm:cxn modelId="{B117B82F-76D4-4963-8D0E-EF291ABFAA65}" type="presOf" srcId="{DFC2EF89-236E-4FDA-B8FD-93106FA95168}" destId="{4A15562E-3622-4189-8C94-B40369FECCC9}" srcOrd="0" destOrd="0" presId="urn:microsoft.com/office/officeart/2009/3/layout/StepUpProcess"/>
-    <dgm:cxn modelId="{20BF45A8-6488-44FD-AF71-E25D8DD8A793}" type="presOf" srcId="{3BD31C71-461B-4BC2-B0AA-16F75E9623B7}" destId="{833D20D5-667D-418E-9948-48F0E308F522}" srcOrd="0" destOrd="0" presId="urn:microsoft.com/office/officeart/2009/3/layout/StepUpProcess"/>
-    <dgm:cxn modelId="{F7F2E315-8710-4CBB-8363-980300C6F0ED}" srcId="{E1D02076-877D-45BF-9BFA-3D74DD18A1B7}" destId="{415BFE86-BB4A-43E7-9A36-406D45D9977F}" srcOrd="5" destOrd="0" parTransId="{ACB2C21A-71BA-4599-8BC5-CE07FF406CC0}" sibTransId="{5BDB0F16-6238-470C-AE44-5246141F4142}"/>
-    <dgm:cxn modelId="{7D178063-649B-451A-9623-C20D6D8F2B30}" srcId="{E1D02076-877D-45BF-9BFA-3D74DD18A1B7}" destId="{2B8BBA7B-4F8A-41E9-8E1D-078B2E1340F2}" srcOrd="3" destOrd="0" parTransId="{661B279C-61A6-42C6-99DB-9DB6957BA878}" sibTransId="{187C3BF7-6260-4B2E-B9AF-65F6D8D56B82}"/>
+    <dgm:cxn modelId="{F7F2E315-8710-4CBB-8363-980300C6F0ED}" srcId="{E1D02076-877D-45BF-9BFA-3D74DD18A1B7}" destId="{415BFE86-BB4A-43E7-9A36-406D45D9977F}" srcOrd="4" destOrd="0" parTransId="{ACB2C21A-71BA-4599-8BC5-CE07FF406CC0}" sibTransId="{5BDB0F16-6238-470C-AE44-5246141F4142}"/>
+    <dgm:cxn modelId="{A9EBB67B-EF23-48E5-8E27-4BCFEB73CEE2}" type="presOf" srcId="{415BFE86-BB4A-43E7-9A36-406D45D9977F}" destId="{93665BD7-45E5-45EF-8E0B-361C19E5154D}" srcOrd="0" destOrd="0" presId="urn:microsoft.com/office/officeart/2009/3/layout/StepUpProcess"/>
     <dgm:cxn modelId="{9F8A0C08-525B-4FE0-8718-BE90C8C2CB3E}" type="presParOf" srcId="{9083F9F9-3B94-4E7C-8A6D-BBDE623E9C1C}" destId="{7CF6B6D8-0C95-42E3-B87F-86B2138B0E1B}" srcOrd="0" destOrd="0" presId="urn:microsoft.com/office/officeart/2009/3/layout/StepUpProcess"/>
     <dgm:cxn modelId="{A5A7FD0A-BB21-4F0B-95E0-F272E8E0B03F}" type="presParOf" srcId="{7CF6B6D8-0C95-42E3-B87F-86B2138B0E1B}" destId="{030721F5-3832-4B36-AA6B-3292522F4F42}" srcOrd="0" destOrd="0" presId="urn:microsoft.com/office/officeart/2009/3/layout/StepUpProcess"/>
     <dgm:cxn modelId="{329A1706-3FB1-4987-96D5-56A7F99952E5}" type="presParOf" srcId="{7CF6B6D8-0C95-42E3-B87F-86B2138B0E1B}" destId="{AB87B61F-2376-476C-B61A-9AB42572AADA}" srcOrd="1" destOrd="0" presId="urn:microsoft.com/office/officeart/2009/3/layout/StepUpProcess"/>
@@ -4221,13 +4213,7 @@
     <dgm:cxn modelId="{514B671A-628C-4996-8ED5-F64D4A7EC4B9}" type="presParOf" srcId="{9F4D0809-4946-4D40-BB01-C4335E40CC1D}" destId="{5CC3E1C4-55D5-41AA-826B-F039B9A083E1}" srcOrd="2" destOrd="0" presId="urn:microsoft.com/office/officeart/2009/3/layout/StepUpProcess"/>
     <dgm:cxn modelId="{0B797172-01B0-426E-9FBA-E3FDED276AA7}" type="presParOf" srcId="{9083F9F9-3B94-4E7C-8A6D-BBDE623E9C1C}" destId="{FF5E5BC3-C743-4645-AAB1-024AB519A8F9}" srcOrd="7" destOrd="0" presId="urn:microsoft.com/office/officeart/2009/3/layout/StepUpProcess"/>
     <dgm:cxn modelId="{CB30829C-C4A1-4FAE-AFD3-637F06C7F523}" type="presParOf" srcId="{FF5E5BC3-C743-4645-AAB1-024AB519A8F9}" destId="{33154D18-84EF-4870-B522-08FD9AC0D44E}" srcOrd="0" destOrd="0" presId="urn:microsoft.com/office/officeart/2009/3/layout/StepUpProcess"/>
-    <dgm:cxn modelId="{C69AE3CA-4C51-4488-80C9-A6E33599E492}" type="presParOf" srcId="{9083F9F9-3B94-4E7C-8A6D-BBDE623E9C1C}" destId="{FF2226AF-06DC-4F66-9B65-116A1AE28437}" srcOrd="8" destOrd="0" presId="urn:microsoft.com/office/officeart/2009/3/layout/StepUpProcess"/>
-    <dgm:cxn modelId="{E60E08CB-8514-44FA-BC07-233DDB43CB8B}" type="presParOf" srcId="{FF2226AF-06DC-4F66-9B65-116A1AE28437}" destId="{3C430440-8DA7-4D82-9436-B490D2A87464}" srcOrd="0" destOrd="0" presId="urn:microsoft.com/office/officeart/2009/3/layout/StepUpProcess"/>
-    <dgm:cxn modelId="{263F8252-7263-4F2F-A6F9-3486E4B8C36D}" type="presParOf" srcId="{FF2226AF-06DC-4F66-9B65-116A1AE28437}" destId="{E3BDA1EE-16C8-4F04-B96A-76209D221EB1}" srcOrd="1" destOrd="0" presId="urn:microsoft.com/office/officeart/2009/3/layout/StepUpProcess"/>
-    <dgm:cxn modelId="{5B76476E-8481-42FC-8D2B-A144CD5255AB}" type="presParOf" srcId="{FF2226AF-06DC-4F66-9B65-116A1AE28437}" destId="{03907868-04C6-481D-BFA9-25E8DC1AD5E6}" srcOrd="2" destOrd="0" presId="urn:microsoft.com/office/officeart/2009/3/layout/StepUpProcess"/>
-    <dgm:cxn modelId="{5F8B237A-5993-4908-8D01-BC87BA55C7D1}" type="presParOf" srcId="{9083F9F9-3B94-4E7C-8A6D-BBDE623E9C1C}" destId="{66D74320-437E-4F99-95AB-0D85275B7C96}" srcOrd="9" destOrd="0" presId="urn:microsoft.com/office/officeart/2009/3/layout/StepUpProcess"/>
-    <dgm:cxn modelId="{1640B593-413E-424A-AA8B-77F4810EEEA9}" type="presParOf" srcId="{66D74320-437E-4F99-95AB-0D85275B7C96}" destId="{3788E138-C450-418A-A14E-8071CA0B306C}" srcOrd="0" destOrd="0" presId="urn:microsoft.com/office/officeart/2009/3/layout/StepUpProcess"/>
-    <dgm:cxn modelId="{90328B3B-D23B-4242-A7A5-7C69C04F2AA8}" type="presParOf" srcId="{9083F9F9-3B94-4E7C-8A6D-BBDE623E9C1C}" destId="{CEA39042-5051-4500-B78A-BC75C4AB2E52}" srcOrd="10" destOrd="0" presId="urn:microsoft.com/office/officeart/2009/3/layout/StepUpProcess"/>
+    <dgm:cxn modelId="{90328B3B-D23B-4242-A7A5-7C69C04F2AA8}" type="presParOf" srcId="{9083F9F9-3B94-4E7C-8A6D-BBDE623E9C1C}" destId="{CEA39042-5051-4500-B78A-BC75C4AB2E52}" srcOrd="8" destOrd="0" presId="urn:microsoft.com/office/officeart/2009/3/layout/StepUpProcess"/>
     <dgm:cxn modelId="{7B851E4A-47F9-44CD-9308-EA426EF2006D}" type="presParOf" srcId="{CEA39042-5051-4500-B78A-BC75C4AB2E52}" destId="{0E34F191-A624-466E-A4F1-AC25B06F1C5E}" srcOrd="0" destOrd="0" presId="urn:microsoft.com/office/officeart/2009/3/layout/StepUpProcess"/>
     <dgm:cxn modelId="{9AD33E4D-BDF6-4DA8-9AA5-A26A9CCA1546}" type="presParOf" srcId="{CEA39042-5051-4500-B78A-BC75C4AB2E52}" destId="{93665BD7-45E5-45EF-8E0B-361C19E5154D}" srcOrd="1" destOrd="0" presId="urn:microsoft.com/office/officeart/2009/3/layout/StepUpProcess"/>
   </dgm:cxnLst>
@@ -4650,6 +4636,13 @@
         </dgm:presLayoutVars>
       </dgm:prSet>
       <dgm:spPr/>
+      <dgm:t>
+        <a:bodyPr/>
+        <a:lstStyle/>
+        <a:p>
+          <a:endParaRPr lang="zh-CN" altLang="en-US"/>
+        </a:p>
+      </dgm:t>
     </dgm:pt>
     <dgm:pt modelId="{D733949C-B6D1-4E42-BE6A-D7D3958077B2}" type="pres">
       <dgm:prSet presAssocID="{7D416890-EAC4-4791-9CE7-77CD98387A38}" presName="parentLin" presStyleCnt="0"/>
@@ -4658,6 +4651,13 @@
     <dgm:pt modelId="{0886B0A0-DB81-4B63-9446-579E0CB07F09}" type="pres">
       <dgm:prSet presAssocID="{7D416890-EAC4-4791-9CE7-77CD98387A38}" presName="parentLeftMargin" presStyleLbl="node1" presStyleIdx="0" presStyleCnt="4"/>
       <dgm:spPr/>
+      <dgm:t>
+        <a:bodyPr/>
+        <a:lstStyle/>
+        <a:p>
+          <a:endParaRPr lang="zh-CN" altLang="en-US"/>
+        </a:p>
+      </dgm:t>
     </dgm:pt>
     <dgm:pt modelId="{859E5705-AFA1-466A-8F07-A80B6E9C23A1}" type="pres">
       <dgm:prSet presAssocID="{7D416890-EAC4-4791-9CE7-77CD98387A38}" presName="parentText" presStyleLbl="node1" presStyleIdx="0" presStyleCnt="4">
@@ -4698,6 +4698,13 @@
     <dgm:pt modelId="{D66B096E-B7D4-4B1E-A09A-664D6B2AC590}" type="pres">
       <dgm:prSet presAssocID="{755F136C-675F-4882-987C-CC4E18BE1449}" presName="parentLeftMargin" presStyleLbl="node1" presStyleIdx="0" presStyleCnt="4"/>
       <dgm:spPr/>
+      <dgm:t>
+        <a:bodyPr/>
+        <a:lstStyle/>
+        <a:p>
+          <a:endParaRPr lang="zh-CN" altLang="en-US"/>
+        </a:p>
+      </dgm:t>
     </dgm:pt>
     <dgm:pt modelId="{AA043FFB-A818-4743-B3EE-56E06805D79E}" type="pres">
       <dgm:prSet presAssocID="{755F136C-675F-4882-987C-CC4E18BE1449}" presName="parentText" presStyleLbl="node1" presStyleIdx="1" presStyleCnt="4">
@@ -4707,6 +4714,13 @@
         </dgm:presLayoutVars>
       </dgm:prSet>
       <dgm:spPr/>
+      <dgm:t>
+        <a:bodyPr/>
+        <a:lstStyle/>
+        <a:p>
+          <a:endParaRPr lang="zh-CN" altLang="en-US"/>
+        </a:p>
+      </dgm:t>
     </dgm:pt>
     <dgm:pt modelId="{BFA28E34-949D-45E9-BD13-655E6DBDEC40}" type="pres">
       <dgm:prSet presAssocID="{755F136C-675F-4882-987C-CC4E18BE1449}" presName="negativeSpace" presStyleCnt="0"/>
@@ -4738,6 +4752,13 @@
     <dgm:pt modelId="{FA448E89-C881-48E9-AA2D-6D1CB3FB54A1}" type="pres">
       <dgm:prSet presAssocID="{EF7013CC-8BD6-4483-8E15-532331CAD182}" presName="parentLeftMargin" presStyleLbl="node1" presStyleIdx="1" presStyleCnt="4"/>
       <dgm:spPr/>
+      <dgm:t>
+        <a:bodyPr/>
+        <a:lstStyle/>
+        <a:p>
+          <a:endParaRPr lang="zh-CN" altLang="en-US"/>
+        </a:p>
+      </dgm:t>
     </dgm:pt>
     <dgm:pt modelId="{829C638E-5D6C-4B23-81E6-8834BFC9DEC9}" type="pres">
       <dgm:prSet presAssocID="{EF7013CC-8BD6-4483-8E15-532331CAD182}" presName="parentText" presStyleLbl="node1" presStyleIdx="2" presStyleCnt="4">
@@ -4785,6 +4806,13 @@
     <dgm:pt modelId="{7F0FC382-71F4-4020-A4DF-D16C9D560353}" type="pres">
       <dgm:prSet presAssocID="{BE92A6CC-8AA5-4947-85C9-58D9B108E8EA}" presName="parentLeftMargin" presStyleLbl="node1" presStyleIdx="2" presStyleCnt="4"/>
       <dgm:spPr/>
+      <dgm:t>
+        <a:bodyPr/>
+        <a:lstStyle/>
+        <a:p>
+          <a:endParaRPr lang="zh-CN" altLang="en-US"/>
+        </a:p>
+      </dgm:t>
     </dgm:pt>
     <dgm:pt modelId="{49F8A7B2-6D48-431E-80A1-87DFA09D5242}" type="pres">
       <dgm:prSet presAssocID="{BE92A6CC-8AA5-4947-85C9-58D9B108E8EA}" presName="parentText" presStyleLbl="node1" presStyleIdx="3" presStyleCnt="4">
@@ -4823,31 +4851,31 @@
     </dgm:pt>
   </dgm:ptLst>
   <dgm:cxnLst>
-    <dgm:cxn modelId="{9CBC9A6D-297D-4374-8A44-FEFC444750B5}" type="presOf" srcId="{755F136C-675F-4882-987C-CC4E18BE1449}" destId="{AA043FFB-A818-4743-B3EE-56E06805D79E}" srcOrd="1" destOrd="0" presId="urn:microsoft.com/office/officeart/2005/8/layout/list1"/>
-    <dgm:cxn modelId="{E3FC3C7D-AA66-4CB8-9FEC-AD497EC08B70}" type="presOf" srcId="{29CF11BC-B4AD-4773-8665-9D0F91F7B31E}" destId="{69407DE7-9E05-4703-AB59-60531215C6AD}" srcOrd="0" destOrd="2" presId="urn:microsoft.com/office/officeart/2005/8/layout/list1"/>
+    <dgm:cxn modelId="{48DD8E3F-BB45-4833-B867-02D168CC9951}" srcId="{EF7013CC-8BD6-4483-8E15-532331CAD182}" destId="{43FFA0BB-C385-485B-AB48-7C55B4817ABF}" srcOrd="1" destOrd="0" parTransId="{28A9739A-EC7A-4DE9-A4BB-E723EAE4E147}" sibTransId="{332A0F96-99BE-444F-A666-CDFE3A13071E}"/>
+    <dgm:cxn modelId="{25AFE156-75EC-4EFB-BA92-10A0B863135D}" srcId="{BE92A6CC-8AA5-4947-85C9-58D9B108E8EA}" destId="{8C619F87-BE8E-4DA7-98A9-768E40159D91}" srcOrd="2" destOrd="0" parTransId="{E5BE3748-ABE4-4728-B8EC-B9B793A78634}" sibTransId="{641AE7FE-8C75-4853-8532-E47053C09FC2}"/>
     <dgm:cxn modelId="{6A9B7E2E-E224-4AA3-9C6E-7AAEF00B7555}" type="presOf" srcId="{7D416890-EAC4-4791-9CE7-77CD98387A38}" destId="{859E5705-AFA1-466A-8F07-A80B6E9C23A1}" srcOrd="1" destOrd="0" presId="urn:microsoft.com/office/officeart/2005/8/layout/list1"/>
     <dgm:cxn modelId="{E0EC7DF9-1AC3-4BD9-8170-76928843F4D9}" type="presOf" srcId="{EF7013CC-8BD6-4483-8E15-532331CAD182}" destId="{829C638E-5D6C-4B23-81E6-8834BFC9DEC9}" srcOrd="1" destOrd="0" presId="urn:microsoft.com/office/officeart/2005/8/layout/list1"/>
+    <dgm:cxn modelId="{E3FC3C7D-AA66-4CB8-9FEC-AD497EC08B70}" type="presOf" srcId="{29CF11BC-B4AD-4773-8665-9D0F91F7B31E}" destId="{69407DE7-9E05-4703-AB59-60531215C6AD}" srcOrd="0" destOrd="2" presId="urn:microsoft.com/office/officeart/2005/8/layout/list1"/>
+    <dgm:cxn modelId="{9CBC9A6D-297D-4374-8A44-FEFC444750B5}" type="presOf" srcId="{755F136C-675F-4882-987C-CC4E18BE1449}" destId="{AA043FFB-A818-4743-B3EE-56E06805D79E}" srcOrd="1" destOrd="0" presId="urn:microsoft.com/office/officeart/2005/8/layout/list1"/>
+    <dgm:cxn modelId="{617AA3DA-A261-4FF9-914E-2806AE2ED56E}" srcId="{BE92A6CC-8AA5-4947-85C9-58D9B108E8EA}" destId="{9CCC97E0-4FE1-4B80-A1BB-7D9F50FA537C}" srcOrd="0" destOrd="0" parTransId="{74889C2B-DD57-46C7-A96B-57C2556DB3D2}" sibTransId="{4741D792-BD57-4392-9712-CAD294FBBABB}"/>
+    <dgm:cxn modelId="{03785D19-CB4C-4ABA-8E6E-3D40CC3A476F}" srcId="{5FDC8A46-FB9E-4E51-8417-D2E3D113E95D}" destId="{EF7013CC-8BD6-4483-8E15-532331CAD182}" srcOrd="2" destOrd="0" parTransId="{92A944AB-7298-45CA-A19E-90335A9E627D}" sibTransId="{F8F4708D-F279-44DE-94F3-0346BF7E4424}"/>
+    <dgm:cxn modelId="{17E8BF04-3665-4B11-BA14-75510A8970EB}" type="presOf" srcId="{5FDC8A46-FB9E-4E51-8417-D2E3D113E95D}" destId="{3A93572B-6023-4389-804B-8F0936A7E279}" srcOrd="0" destOrd="0" presId="urn:microsoft.com/office/officeart/2005/8/layout/list1"/>
+    <dgm:cxn modelId="{3083DE0C-D39B-48CC-97EE-E222D3BEF1C7}" type="presOf" srcId="{E68A94A7-0AB5-4734-90AE-E378B64F9B91}" destId="{D7764423-4A14-410D-B0DB-A5EA6800C159}" srcOrd="0" destOrd="1" presId="urn:microsoft.com/office/officeart/2005/8/layout/list1"/>
+    <dgm:cxn modelId="{C4CCAEA2-EA16-4C4F-A56D-6E7A9BB0DCE8}" type="presOf" srcId="{7D416890-EAC4-4791-9CE7-77CD98387A38}" destId="{0886B0A0-DB81-4B63-9446-579E0CB07F09}" srcOrd="0" destOrd="0" presId="urn:microsoft.com/office/officeart/2005/8/layout/list1"/>
+    <dgm:cxn modelId="{A145FDC2-00E7-4A61-8807-7D201ED87BFB}" srcId="{EF7013CC-8BD6-4483-8E15-532331CAD182}" destId="{28D08241-D08B-4924-AFF7-5BB10B347CB0}" srcOrd="0" destOrd="0" parTransId="{4CC676E0-1F35-4CCD-B944-16E67034A97D}" sibTransId="{B2B671A0-1F99-4C83-9468-C402C8C65848}"/>
     <dgm:cxn modelId="{D4D0FFD9-EBF8-46E9-8768-4058E6C87B09}" type="presOf" srcId="{BE92A6CC-8AA5-4947-85C9-58D9B108E8EA}" destId="{49F8A7B2-6D48-431E-80A1-87DFA09D5242}" srcOrd="1" destOrd="0" presId="urn:microsoft.com/office/officeart/2005/8/layout/list1"/>
-    <dgm:cxn modelId="{48DD8E3F-BB45-4833-B867-02D168CC9951}" srcId="{EF7013CC-8BD6-4483-8E15-532331CAD182}" destId="{43FFA0BB-C385-485B-AB48-7C55B4817ABF}" srcOrd="1" destOrd="0" parTransId="{28A9739A-EC7A-4DE9-A4BB-E723EAE4E147}" sibTransId="{332A0F96-99BE-444F-A666-CDFE3A13071E}"/>
+    <dgm:cxn modelId="{3ACB5EB7-05AF-4EA8-9D4C-1CFCAD1AA772}" srcId="{BE92A6CC-8AA5-4947-85C9-58D9B108E8EA}" destId="{E68A94A7-0AB5-4734-90AE-E378B64F9B91}" srcOrd="1" destOrd="0" parTransId="{4A30243A-D5CA-4A86-9723-431ACFE0C893}" sibTransId="{F8D56176-02C7-4BAC-B47B-E02B7EA759B7}"/>
     <dgm:cxn modelId="{37459637-DC3B-4A36-9ED7-7B93D4D5D837}" srcId="{5FDC8A46-FB9E-4E51-8417-D2E3D113E95D}" destId="{7D416890-EAC4-4791-9CE7-77CD98387A38}" srcOrd="0" destOrd="0" parTransId="{87B87C3A-B527-46D8-8A23-A6EEC9F18708}" sibTransId="{9F41AA17-851B-4F04-87BF-1AE75868CC2C}"/>
     <dgm:cxn modelId="{BBE5FCAF-099E-49D6-9DB6-B5789933E2AC}" type="presOf" srcId="{9CCC97E0-4FE1-4B80-A1BB-7D9F50FA537C}" destId="{D7764423-4A14-410D-B0DB-A5EA6800C159}" srcOrd="0" destOrd="0" presId="urn:microsoft.com/office/officeart/2005/8/layout/list1"/>
-    <dgm:cxn modelId="{617AA3DA-A261-4FF9-914E-2806AE2ED56E}" srcId="{BE92A6CC-8AA5-4947-85C9-58D9B108E8EA}" destId="{9CCC97E0-4FE1-4B80-A1BB-7D9F50FA537C}" srcOrd="0" destOrd="0" parTransId="{74889C2B-DD57-46C7-A96B-57C2556DB3D2}" sibTransId="{4741D792-BD57-4392-9712-CAD294FBBABB}"/>
-    <dgm:cxn modelId="{4DAF38FD-1BD2-4726-86A8-692CE0A39117}" type="presOf" srcId="{BE92A6CC-8AA5-4947-85C9-58D9B108E8EA}" destId="{7F0FC382-71F4-4020-A4DF-D16C9D560353}" srcOrd="0" destOrd="0" presId="urn:microsoft.com/office/officeart/2005/8/layout/list1"/>
-    <dgm:cxn modelId="{A145FDC2-00E7-4A61-8807-7D201ED87BFB}" srcId="{EF7013CC-8BD6-4483-8E15-532331CAD182}" destId="{28D08241-D08B-4924-AFF7-5BB10B347CB0}" srcOrd="0" destOrd="0" parTransId="{4CC676E0-1F35-4CCD-B944-16E67034A97D}" sibTransId="{B2B671A0-1F99-4C83-9468-C402C8C65848}"/>
     <dgm:cxn modelId="{37FF8DB2-4B3B-48CC-9BFB-8862DA8503CE}" type="presOf" srcId="{28D08241-D08B-4924-AFF7-5BB10B347CB0}" destId="{69407DE7-9E05-4703-AB59-60531215C6AD}" srcOrd="0" destOrd="0" presId="urn:microsoft.com/office/officeart/2005/8/layout/list1"/>
-    <dgm:cxn modelId="{05739270-8134-4618-B03F-D7E9C8C14F21}" type="presOf" srcId="{8C619F87-BE8E-4DA7-98A9-768E40159D91}" destId="{D7764423-4A14-410D-B0DB-A5EA6800C159}" srcOrd="0" destOrd="2" presId="urn:microsoft.com/office/officeart/2005/8/layout/list1"/>
-    <dgm:cxn modelId="{C4CCAEA2-EA16-4C4F-A56D-6E7A9BB0DCE8}" type="presOf" srcId="{7D416890-EAC4-4791-9CE7-77CD98387A38}" destId="{0886B0A0-DB81-4B63-9446-579E0CB07F09}" srcOrd="0" destOrd="0" presId="urn:microsoft.com/office/officeart/2005/8/layout/list1"/>
-    <dgm:cxn modelId="{3ACB5EB7-05AF-4EA8-9D4C-1CFCAD1AA772}" srcId="{BE92A6CC-8AA5-4947-85C9-58D9B108E8EA}" destId="{E68A94A7-0AB5-4734-90AE-E378B64F9B91}" srcOrd="1" destOrd="0" parTransId="{4A30243A-D5CA-4A86-9723-431ACFE0C893}" sibTransId="{F8D56176-02C7-4BAC-B47B-E02B7EA759B7}"/>
-    <dgm:cxn modelId="{A677F8E0-B478-4458-8C7F-9B41CAEA9CEB}" srcId="{5FDC8A46-FB9E-4E51-8417-D2E3D113E95D}" destId="{755F136C-675F-4882-987C-CC4E18BE1449}" srcOrd="1" destOrd="0" parTransId="{4021EDEA-5AD7-4E1F-A6F2-D3C84E53C364}" sibTransId="{D96D1E63-AA2A-43D6-9230-E4F86BCE2775}"/>
-    <dgm:cxn modelId="{B50CC3E7-9995-4523-A2CD-25E1510D4E7D}" type="presOf" srcId="{755F136C-675F-4882-987C-CC4E18BE1449}" destId="{D66B096E-B7D4-4B1E-A09A-664D6B2AC590}" srcOrd="0" destOrd="0" presId="urn:microsoft.com/office/officeart/2005/8/layout/list1"/>
-    <dgm:cxn modelId="{68E37AAF-8751-4F8E-9D1C-0CD9F4A8C986}" srcId="{5FDC8A46-FB9E-4E51-8417-D2E3D113E95D}" destId="{BE92A6CC-8AA5-4947-85C9-58D9B108E8EA}" srcOrd="3" destOrd="0" parTransId="{B793A184-374E-464D-B3E9-5631AFF04F28}" sibTransId="{C9774D0B-D057-4FD8-B871-D4E78F6854F1}"/>
-    <dgm:cxn modelId="{17E8BF04-3665-4B11-BA14-75510A8970EB}" type="presOf" srcId="{5FDC8A46-FB9E-4E51-8417-D2E3D113E95D}" destId="{3A93572B-6023-4389-804B-8F0936A7E279}" srcOrd="0" destOrd="0" presId="urn:microsoft.com/office/officeart/2005/8/layout/list1"/>
-    <dgm:cxn modelId="{3083DE0C-D39B-48CC-97EE-E222D3BEF1C7}" type="presOf" srcId="{E68A94A7-0AB5-4734-90AE-E378B64F9B91}" destId="{D7764423-4A14-410D-B0DB-A5EA6800C159}" srcOrd="0" destOrd="1" presId="urn:microsoft.com/office/officeart/2005/8/layout/list1"/>
     <dgm:cxn modelId="{2361907F-7BD3-4EEC-B335-B6EEAF073A8E}" srcId="{EF7013CC-8BD6-4483-8E15-532331CAD182}" destId="{29CF11BC-B4AD-4773-8665-9D0F91F7B31E}" srcOrd="2" destOrd="0" parTransId="{898EBC88-306C-4081-A5E6-60151C003FAF}" sibTransId="{D40C420F-AFB0-4D04-9472-C0B53D035CAA}"/>
     <dgm:cxn modelId="{33A1C923-3A3C-4571-9F87-97C6E19A6DFB}" type="presOf" srcId="{EF7013CC-8BD6-4483-8E15-532331CAD182}" destId="{FA448E89-C881-48E9-AA2D-6D1CB3FB54A1}" srcOrd="0" destOrd="0" presId="urn:microsoft.com/office/officeart/2005/8/layout/list1"/>
-    <dgm:cxn modelId="{25AFE156-75EC-4EFB-BA92-10A0B863135D}" srcId="{BE92A6CC-8AA5-4947-85C9-58D9B108E8EA}" destId="{8C619F87-BE8E-4DA7-98A9-768E40159D91}" srcOrd="2" destOrd="0" parTransId="{E5BE3748-ABE4-4728-B8EC-B9B793A78634}" sibTransId="{641AE7FE-8C75-4853-8532-E47053C09FC2}"/>
-    <dgm:cxn modelId="{03785D19-CB4C-4ABA-8E6E-3D40CC3A476F}" srcId="{5FDC8A46-FB9E-4E51-8417-D2E3D113E95D}" destId="{EF7013CC-8BD6-4483-8E15-532331CAD182}" srcOrd="2" destOrd="0" parTransId="{92A944AB-7298-45CA-A19E-90335A9E627D}" sibTransId="{F8F4708D-F279-44DE-94F3-0346BF7E4424}"/>
+    <dgm:cxn modelId="{B50CC3E7-9995-4523-A2CD-25E1510D4E7D}" type="presOf" srcId="{755F136C-675F-4882-987C-CC4E18BE1449}" destId="{D66B096E-B7D4-4B1E-A09A-664D6B2AC590}" srcOrd="0" destOrd="0" presId="urn:microsoft.com/office/officeart/2005/8/layout/list1"/>
+    <dgm:cxn modelId="{4DAF38FD-1BD2-4726-86A8-692CE0A39117}" type="presOf" srcId="{BE92A6CC-8AA5-4947-85C9-58D9B108E8EA}" destId="{7F0FC382-71F4-4020-A4DF-D16C9D560353}" srcOrd="0" destOrd="0" presId="urn:microsoft.com/office/officeart/2005/8/layout/list1"/>
+    <dgm:cxn modelId="{68E37AAF-8751-4F8E-9D1C-0CD9F4A8C986}" srcId="{5FDC8A46-FB9E-4E51-8417-D2E3D113E95D}" destId="{BE92A6CC-8AA5-4947-85C9-58D9B108E8EA}" srcOrd="3" destOrd="0" parTransId="{B793A184-374E-464D-B3E9-5631AFF04F28}" sibTransId="{C9774D0B-D057-4FD8-B871-D4E78F6854F1}"/>
+    <dgm:cxn modelId="{05739270-8134-4618-B03F-D7E9C8C14F21}" type="presOf" srcId="{8C619F87-BE8E-4DA7-98A9-768E40159D91}" destId="{D7764423-4A14-410D-B0DB-A5EA6800C159}" srcOrd="0" destOrd="2" presId="urn:microsoft.com/office/officeart/2005/8/layout/list1"/>
     <dgm:cxn modelId="{70F701F3-B0D5-4758-BA53-42F1E388163E}" type="presOf" srcId="{43FFA0BB-C385-485B-AB48-7C55B4817ABF}" destId="{69407DE7-9E05-4703-AB59-60531215C6AD}" srcOrd="0" destOrd="1" presId="urn:microsoft.com/office/officeart/2005/8/layout/list1"/>
+    <dgm:cxn modelId="{A677F8E0-B478-4458-8C7F-9B41CAEA9CEB}" srcId="{5FDC8A46-FB9E-4E51-8417-D2E3D113E95D}" destId="{755F136C-675F-4882-987C-CC4E18BE1449}" srcOrd="1" destOrd="0" parTransId="{4021EDEA-5AD7-4E1F-A6F2-D3C84E53C364}" sibTransId="{D96D1E63-AA2A-43D6-9230-E4F86BCE2775}"/>
     <dgm:cxn modelId="{542E1EF1-7195-4F8A-9B78-E1634C30BC81}" type="presParOf" srcId="{3A93572B-6023-4389-804B-8F0936A7E279}" destId="{D733949C-B6D1-4E42-BE6A-D7D3958077B2}" srcOrd="0" destOrd="0" presId="urn:microsoft.com/office/officeart/2005/8/layout/list1"/>
     <dgm:cxn modelId="{2E24D14D-1A4B-4344-A813-F8647FF79E7F}" type="presParOf" srcId="{D733949C-B6D1-4E42-BE6A-D7D3958077B2}" destId="{0886B0A0-DB81-4B63-9446-579E0CB07F09}" srcOrd="0" destOrd="0" presId="urn:microsoft.com/office/officeart/2005/8/layout/list1"/>
     <dgm:cxn modelId="{0D895BB7-8B64-4C7C-BD26-E180362ECAE4}" type="presParOf" srcId="{D733949C-B6D1-4E42-BE6A-D7D3958077B2}" destId="{859E5705-AFA1-466A-8F07-A80B6E9C23A1}" srcOrd="1" destOrd="0" presId="urn:microsoft.com/office/officeart/2005/8/layout/list1"/>
@@ -5922,8 +5950,8 @@
       </dsp:nvSpPr>
       <dsp:spPr>
         <a:xfrm rot="5400000">
-          <a:off x="265705" y="1991882"/>
-          <a:ext cx="790788" cy="1315853"/>
+          <a:off x="317883" y="1785653"/>
+          <a:ext cx="952273" cy="1584561"/>
         </a:xfrm>
         <a:prstGeom prst="corner">
           <a:avLst>
@@ -5974,8 +6002,8 @@
       </dsp:nvSpPr>
       <dsp:spPr>
         <a:xfrm>
-          <a:off x="133702" y="2385039"/>
-          <a:ext cx="1187960" cy="1041316"/>
+          <a:off x="158925" y="2259095"/>
+          <a:ext cx="1430551" cy="1253961"/>
         </a:xfrm>
         <a:prstGeom prst="rect">
           <a:avLst/>
@@ -5999,12 +6027,12 @@
         <a:fontRef idx="minor"/>
       </dsp:style>
       <dsp:txBody>
-        <a:bodyPr spcFirstLastPara="0" vert="horz" wrap="square" lIns="102870" tIns="102870" rIns="102870" bIns="102870" numCol="1" spcCol="1270" anchor="t" anchorCtr="0">
+        <a:bodyPr spcFirstLastPara="0" vert="horz" wrap="square" lIns="121920" tIns="121920" rIns="121920" bIns="121920" numCol="1" spcCol="1270" anchor="t" anchorCtr="0">
           <a:noAutofit/>
         </a:bodyPr>
         <a:lstStyle/>
         <a:p>
-          <a:pPr lvl="0" algn="l" defTabSz="1200150">
+          <a:pPr lvl="0" algn="l" defTabSz="1422400">
             <a:lnSpc>
               <a:spcPct val="90000"/>
             </a:lnSpc>
@@ -6016,15 +6044,15 @@
             </a:spcAft>
           </a:pPr>
           <a:r>
-            <a:rPr lang="zh-CN" altLang="en-US" sz="2700" kern="1200" dirty="0" smtClean="0"/>
+            <a:rPr lang="zh-CN" altLang="en-US" sz="3200" kern="1200" dirty="0" smtClean="0"/>
             <a:t>首秀</a:t>
           </a:r>
-          <a:endParaRPr lang="zh-CN" altLang="en-US" sz="2700" kern="1200" dirty="0"/>
+          <a:endParaRPr lang="zh-CN" altLang="en-US" sz="3200" kern="1200" dirty="0"/>
         </a:p>
       </dsp:txBody>
       <dsp:txXfrm>
-        <a:off x="133702" y="2385039"/>
-        <a:ext cx="1187960" cy="1041316"/>
+        <a:off x="158925" y="2259095"/>
+        <a:ext cx="1430551" cy="1253961"/>
       </dsp:txXfrm>
     </dsp:sp>
     <dsp:sp modelId="{A6E91278-4FC8-448D-98AB-30042EEE1F7D}">
@@ -6034,8 +6062,8 @@
       </dsp:nvSpPr>
       <dsp:spPr>
         <a:xfrm>
-          <a:off x="1097519" y="1895007"/>
-          <a:ext cx="224143" cy="224143"/>
+          <a:off x="1319561" y="1668996"/>
+          <a:ext cx="269915" cy="269915"/>
         </a:xfrm>
         <a:prstGeom prst="triangle">
           <a:avLst>
@@ -6085,8 +6113,8 @@
       </dsp:nvSpPr>
       <dsp:spPr>
         <a:xfrm rot="5400000">
-          <a:off x="1720000" y="1632015"/>
-          <a:ext cx="790788" cy="1315853"/>
+          <a:off x="2069157" y="1352298"/>
+          <a:ext cx="952273" cy="1584561"/>
         </a:xfrm>
         <a:prstGeom prst="corner">
           <a:avLst>
@@ -6137,8 +6165,8 @@
       </dsp:nvSpPr>
       <dsp:spPr>
         <a:xfrm>
-          <a:off x="1587998" y="2025172"/>
-          <a:ext cx="1187960" cy="1041316"/>
+          <a:off x="1910199" y="1825741"/>
+          <a:ext cx="1430551" cy="1253961"/>
         </a:xfrm>
         <a:prstGeom prst="rect">
           <a:avLst/>
@@ -6162,12 +6190,12 @@
         <a:fontRef idx="minor"/>
       </dsp:style>
       <dsp:txBody>
-        <a:bodyPr spcFirstLastPara="0" vert="horz" wrap="square" lIns="102870" tIns="102870" rIns="102870" bIns="102870" numCol="1" spcCol="1270" anchor="t" anchorCtr="0">
+        <a:bodyPr spcFirstLastPara="0" vert="horz" wrap="square" lIns="121920" tIns="121920" rIns="121920" bIns="121920" numCol="1" spcCol="1270" anchor="t" anchorCtr="0">
           <a:noAutofit/>
         </a:bodyPr>
         <a:lstStyle/>
         <a:p>
-          <a:pPr lvl="0" algn="l" defTabSz="1200150">
+          <a:pPr lvl="0" algn="l" defTabSz="1422400">
             <a:lnSpc>
               <a:spcPct val="90000"/>
             </a:lnSpc>
@@ -6179,19 +6207,19 @@
             </a:spcAft>
           </a:pPr>
           <a:r>
-            <a:rPr lang="zh-CN" altLang="en-US" sz="2700" kern="1200" smtClean="0"/>
+            <a:rPr lang="zh-CN" altLang="en-US" sz="3200" kern="1200" smtClean="0"/>
             <a:t>设计</a:t>
           </a:r>
           <a:r>
-            <a:rPr lang="zh-CN" altLang="en-US" sz="2700" kern="1200" dirty="0" smtClean="0"/>
+            <a:rPr lang="zh-CN" altLang="en-US" sz="3200" kern="1200" dirty="0" smtClean="0"/>
             <a:t>原则</a:t>
           </a:r>
-          <a:endParaRPr lang="zh-CN" altLang="en-US" sz="2700" kern="1200" dirty="0"/>
+          <a:endParaRPr lang="zh-CN" altLang="en-US" sz="3200" kern="1200" dirty="0"/>
         </a:p>
       </dsp:txBody>
       <dsp:txXfrm>
-        <a:off x="1587998" y="2025172"/>
-        <a:ext cx="1187960" cy="1041316"/>
+        <a:off x="1910199" y="1825741"/>
+        <a:ext cx="1430551" cy="1253961"/>
       </dsp:txXfrm>
     </dsp:sp>
     <dsp:sp modelId="{425D24FA-D2A2-4A89-9470-88791819B0CC}">
@@ -6201,8 +6229,8 @@
       </dsp:nvSpPr>
       <dsp:spPr>
         <a:xfrm>
-          <a:off x="2551814" y="1535140"/>
-          <a:ext cx="224143" cy="224143"/>
+          <a:off x="3070835" y="1235641"/>
+          <a:ext cx="269915" cy="269915"/>
         </a:xfrm>
         <a:prstGeom prst="triangle">
           <a:avLst>
@@ -6252,8 +6280,8 @@
       </dsp:nvSpPr>
       <dsp:spPr>
         <a:xfrm rot="5400000">
-          <a:off x="3174295" y="1272148"/>
-          <a:ext cx="790788" cy="1315853"/>
+          <a:off x="3820431" y="918944"/>
+          <a:ext cx="952273" cy="1584561"/>
         </a:xfrm>
         <a:prstGeom prst="corner">
           <a:avLst>
@@ -6304,8 +6332,8 @@
       </dsp:nvSpPr>
       <dsp:spPr>
         <a:xfrm>
-          <a:off x="3042293" y="1665305"/>
-          <a:ext cx="1187960" cy="1041316"/>
+          <a:off x="3661473" y="1392386"/>
+          <a:ext cx="1430551" cy="1253961"/>
         </a:xfrm>
         <a:prstGeom prst="rect">
           <a:avLst/>
@@ -6329,12 +6357,12 @@
         <a:fontRef idx="minor"/>
       </dsp:style>
       <dsp:txBody>
-        <a:bodyPr spcFirstLastPara="0" vert="horz" wrap="square" lIns="102870" tIns="102870" rIns="102870" bIns="102870" numCol="1" spcCol="1270" anchor="t" anchorCtr="0">
+        <a:bodyPr spcFirstLastPara="0" vert="horz" wrap="square" lIns="121920" tIns="121920" rIns="121920" bIns="121920" numCol="1" spcCol="1270" anchor="t" anchorCtr="0">
           <a:noAutofit/>
         </a:bodyPr>
         <a:lstStyle/>
         <a:p>
-          <a:pPr lvl="0" algn="l" defTabSz="1200150">
+          <a:pPr lvl="0" algn="l" defTabSz="1422400">
             <a:lnSpc>
               <a:spcPct val="90000"/>
             </a:lnSpc>
@@ -6346,15 +6374,15 @@
             </a:spcAft>
           </a:pPr>
           <a:r>
-            <a:rPr lang="en-US" altLang="zh-CN" sz="2700" kern="1200" dirty="0" smtClean="0"/>
+            <a:rPr lang="en-US" altLang="zh-CN" sz="3200" kern="1200" dirty="0" smtClean="0"/>
             <a:t>MVC</a:t>
           </a:r>
-          <a:endParaRPr lang="zh-CN" altLang="en-US" sz="2700" kern="1200" dirty="0"/>
+          <a:endParaRPr lang="zh-CN" altLang="en-US" sz="3200" kern="1200" dirty="0"/>
         </a:p>
       </dsp:txBody>
       <dsp:txXfrm>
-        <a:off x="3042293" y="1665305"/>
-        <a:ext cx="1187960" cy="1041316"/>
+        <a:off x="3661473" y="1392386"/>
+        <a:ext cx="1430551" cy="1253961"/>
       </dsp:txXfrm>
     </dsp:sp>
     <dsp:sp modelId="{AB539FCD-05DB-49F5-A432-244C81B34CE4}">
@@ -6364,8 +6392,8 @@
       </dsp:nvSpPr>
       <dsp:spPr>
         <a:xfrm>
-          <a:off x="4006110" y="1175274"/>
-          <a:ext cx="224143" cy="224143"/>
+          <a:off x="4822109" y="802287"/>
+          <a:ext cx="269915" cy="269915"/>
         </a:xfrm>
         <a:prstGeom prst="triangle">
           <a:avLst>
@@ -6415,8 +6443,8 @@
       </dsp:nvSpPr>
       <dsp:spPr>
         <a:xfrm rot="5400000">
-          <a:off x="4628591" y="912281"/>
-          <a:ext cx="790788" cy="1315853"/>
+          <a:off x="5571705" y="485589"/>
+          <a:ext cx="952273" cy="1584561"/>
         </a:xfrm>
         <a:prstGeom prst="corner">
           <a:avLst>
@@ -6467,8 +6495,8 @@
       </dsp:nvSpPr>
       <dsp:spPr>
         <a:xfrm>
-          <a:off x="4496588" y="1305438"/>
-          <a:ext cx="1187960" cy="1041316"/>
+          <a:off x="5412747" y="959032"/>
+          <a:ext cx="1430551" cy="1253961"/>
         </a:xfrm>
         <a:prstGeom prst="rect">
           <a:avLst/>
@@ -6492,12 +6520,12 @@
         <a:fontRef idx="minor"/>
       </dsp:style>
       <dsp:txBody>
-        <a:bodyPr spcFirstLastPara="0" vert="horz" wrap="square" lIns="102870" tIns="102870" rIns="102870" bIns="102870" numCol="1" spcCol="1270" anchor="t" anchorCtr="0">
+        <a:bodyPr spcFirstLastPara="0" vert="horz" wrap="square" lIns="121920" tIns="121920" rIns="121920" bIns="121920" numCol="1" spcCol="1270" anchor="t" anchorCtr="0">
           <a:noAutofit/>
         </a:bodyPr>
         <a:lstStyle/>
         <a:p>
-          <a:pPr lvl="0" algn="l" defTabSz="1200150">
+          <a:pPr lvl="0" algn="l" defTabSz="1422400">
             <a:lnSpc>
               <a:spcPct val="90000"/>
             </a:lnSpc>
@@ -6509,15 +6537,15 @@
             </a:spcAft>
           </a:pPr>
           <a:r>
-            <a:rPr lang="zh-CN" altLang="en-US" sz="2700" kern="1200" dirty="0" smtClean="0"/>
-            <a:t>前端</a:t>
+            <a:rPr lang="zh-CN" altLang="en-US" sz="3200" kern="1200" dirty="0" smtClean="0"/>
+            <a:t>教程</a:t>
           </a:r>
-          <a:endParaRPr lang="zh-CN" altLang="en-US" sz="2700" kern="1200" dirty="0"/>
+          <a:endParaRPr lang="zh-CN" altLang="en-US" sz="3200" kern="1200" dirty="0"/>
         </a:p>
       </dsp:txBody>
       <dsp:txXfrm>
-        <a:off x="4496588" y="1305438"/>
-        <a:ext cx="1187960" cy="1041316"/>
+        <a:off x="5412747" y="959032"/>
+        <a:ext cx="1430551" cy="1253961"/>
       </dsp:txXfrm>
     </dsp:sp>
     <dsp:sp modelId="{5CC3E1C4-55D5-41AA-826B-F039B9A083E1}">
@@ -6527,171 +6555,8 @@
       </dsp:nvSpPr>
       <dsp:spPr>
         <a:xfrm>
-          <a:off x="5460405" y="815407"/>
-          <a:ext cx="224143" cy="224143"/>
-        </a:xfrm>
-        <a:prstGeom prst="triangle">
-          <a:avLst>
-            <a:gd name="adj" fmla="val 100000"/>
-          </a:avLst>
-        </a:prstGeom>
-        <a:solidFill>
-          <a:schemeClr val="accent1">
-            <a:hueOff val="0"/>
-            <a:satOff val="0"/>
-            <a:lumOff val="0"/>
-            <a:alphaOff val="0"/>
-          </a:schemeClr>
-        </a:solidFill>
-        <a:ln w="19050" cap="rnd" cmpd="sng" algn="ctr">
-          <a:solidFill>
-            <a:schemeClr val="accent1">
-              <a:hueOff val="0"/>
-              <a:satOff val="0"/>
-              <a:lumOff val="0"/>
-              <a:alphaOff val="0"/>
-            </a:schemeClr>
-          </a:solidFill>
-          <a:prstDash val="solid"/>
-        </a:ln>
-        <a:effectLst/>
-      </dsp:spPr>
-      <dsp:style>
-        <a:lnRef idx="2">
-          <a:scrgbClr r="0" g="0" b="0"/>
-        </a:lnRef>
-        <a:fillRef idx="1">
-          <a:scrgbClr r="0" g="0" b="0"/>
-        </a:fillRef>
-        <a:effectRef idx="0">
-          <a:scrgbClr r="0" g="0" b="0"/>
-        </a:effectRef>
-        <a:fontRef idx="minor">
-          <a:schemeClr val="lt1"/>
-        </a:fontRef>
-      </dsp:style>
-    </dsp:sp>
-    <dsp:sp modelId="{3C430440-8DA7-4D82-9436-B490D2A87464}">
-      <dsp:nvSpPr>
-        <dsp:cNvPr id="0" name=""/>
-        <dsp:cNvSpPr/>
-      </dsp:nvSpPr>
-      <dsp:spPr>
-        <a:xfrm rot="5400000">
-          <a:off x="6082886" y="552415"/>
-          <a:ext cx="790788" cy="1315853"/>
-        </a:xfrm>
-        <a:prstGeom prst="corner">
-          <a:avLst>
-            <a:gd name="adj1" fmla="val 16120"/>
-            <a:gd name="adj2" fmla="val 16110"/>
-          </a:avLst>
-        </a:prstGeom>
-        <a:solidFill>
-          <a:schemeClr val="accent1">
-            <a:hueOff val="0"/>
-            <a:satOff val="0"/>
-            <a:lumOff val="0"/>
-            <a:alphaOff val="0"/>
-          </a:schemeClr>
-        </a:solidFill>
-        <a:ln w="19050" cap="rnd" cmpd="sng" algn="ctr">
-          <a:solidFill>
-            <a:schemeClr val="accent1">
-              <a:hueOff val="0"/>
-              <a:satOff val="0"/>
-              <a:lumOff val="0"/>
-              <a:alphaOff val="0"/>
-            </a:schemeClr>
-          </a:solidFill>
-          <a:prstDash val="solid"/>
-        </a:ln>
-        <a:effectLst/>
-      </dsp:spPr>
-      <dsp:style>
-        <a:lnRef idx="2">
-          <a:scrgbClr r="0" g="0" b="0"/>
-        </a:lnRef>
-        <a:fillRef idx="1">
-          <a:scrgbClr r="0" g="0" b="0"/>
-        </a:fillRef>
-        <a:effectRef idx="0">
-          <a:scrgbClr r="0" g="0" b="0"/>
-        </a:effectRef>
-        <a:fontRef idx="minor">
-          <a:schemeClr val="lt1"/>
-        </a:fontRef>
-      </dsp:style>
-    </dsp:sp>
-    <dsp:sp modelId="{E3BDA1EE-16C8-4F04-B96A-76209D221EB1}">
-      <dsp:nvSpPr>
-        <dsp:cNvPr id="0" name=""/>
-        <dsp:cNvSpPr/>
-      </dsp:nvSpPr>
-      <dsp:spPr>
-        <a:xfrm>
-          <a:off x="5950884" y="945571"/>
-          <a:ext cx="1187960" cy="1041316"/>
-        </a:xfrm>
-        <a:prstGeom prst="rect">
-          <a:avLst/>
-        </a:prstGeom>
-        <a:noFill/>
-        <a:ln>
-          <a:noFill/>
-        </a:ln>
-        <a:effectLst/>
-      </dsp:spPr>
-      <dsp:style>
-        <a:lnRef idx="0">
-          <a:scrgbClr r="0" g="0" b="0"/>
-        </a:lnRef>
-        <a:fillRef idx="0">
-          <a:scrgbClr r="0" g="0" b="0"/>
-        </a:fillRef>
-        <a:effectRef idx="0">
-          <a:scrgbClr r="0" g="0" b="0"/>
-        </a:effectRef>
-        <a:fontRef idx="minor"/>
-      </dsp:style>
-      <dsp:txBody>
-        <a:bodyPr spcFirstLastPara="0" vert="horz" wrap="square" lIns="102870" tIns="102870" rIns="102870" bIns="102870" numCol="1" spcCol="1270" anchor="t" anchorCtr="0">
-          <a:noAutofit/>
-        </a:bodyPr>
-        <a:lstStyle/>
-        <a:p>
-          <a:pPr lvl="0" algn="l" defTabSz="1200150">
-            <a:lnSpc>
-              <a:spcPct val="90000"/>
-            </a:lnSpc>
-            <a:spcBef>
-              <a:spcPct val="0"/>
-            </a:spcBef>
-            <a:spcAft>
-              <a:spcPct val="35000"/>
-            </a:spcAft>
-          </a:pPr>
-          <a:r>
-            <a:rPr lang="zh-CN" altLang="en-US" sz="2700" kern="1200" dirty="0" smtClean="0"/>
-            <a:t>教程</a:t>
-          </a:r>
-          <a:endParaRPr lang="zh-CN" altLang="en-US" sz="2700" kern="1200" dirty="0"/>
-        </a:p>
-      </dsp:txBody>
-      <dsp:txXfrm>
-        <a:off x="5950884" y="945571"/>
-        <a:ext cx="1187960" cy="1041316"/>
-      </dsp:txXfrm>
-    </dsp:sp>
-    <dsp:sp modelId="{03907868-04C6-481D-BFA9-25E8DC1AD5E6}">
-      <dsp:nvSpPr>
-        <dsp:cNvPr id="0" name=""/>
-        <dsp:cNvSpPr/>
-      </dsp:nvSpPr>
-      <dsp:spPr>
-        <a:xfrm>
-          <a:off x="6914700" y="455540"/>
-          <a:ext cx="224143" cy="224143"/>
+          <a:off x="6573383" y="368932"/>
+          <a:ext cx="269915" cy="269915"/>
         </a:xfrm>
         <a:prstGeom prst="triangle">
           <a:avLst>
@@ -6741,8 +6606,8 @@
       </dsp:nvSpPr>
       <dsp:spPr>
         <a:xfrm rot="5400000">
-          <a:off x="7537181" y="192548"/>
-          <a:ext cx="790788" cy="1315853"/>
+          <a:off x="7322979" y="52235"/>
+          <a:ext cx="952273" cy="1584561"/>
         </a:xfrm>
         <a:prstGeom prst="corner">
           <a:avLst>
@@ -6793,8 +6658,8 @@
       </dsp:nvSpPr>
       <dsp:spPr>
         <a:xfrm>
-          <a:off x="7405179" y="585705"/>
-          <a:ext cx="1187960" cy="1041316"/>
+          <a:off x="7164021" y="525677"/>
+          <a:ext cx="1430551" cy="1253961"/>
         </a:xfrm>
         <a:prstGeom prst="rect">
           <a:avLst/>
@@ -6818,12 +6683,12 @@
         <a:fontRef idx="minor"/>
       </dsp:style>
       <dsp:txBody>
-        <a:bodyPr spcFirstLastPara="0" vert="horz" wrap="square" lIns="102870" tIns="102870" rIns="102870" bIns="102870" numCol="1" spcCol="1270" anchor="t" anchorCtr="0">
+        <a:bodyPr spcFirstLastPara="0" vert="horz" wrap="square" lIns="121920" tIns="121920" rIns="121920" bIns="121920" numCol="1" spcCol="1270" anchor="t" anchorCtr="0">
           <a:noAutofit/>
         </a:bodyPr>
         <a:lstStyle/>
         <a:p>
-          <a:pPr lvl="0" algn="l" defTabSz="1200150">
+          <a:pPr lvl="0" algn="l" defTabSz="1422400">
             <a:lnSpc>
               <a:spcPct val="90000"/>
             </a:lnSpc>
@@ -6835,15 +6700,15 @@
             </a:spcAft>
           </a:pPr>
           <a:r>
-            <a:rPr lang="zh-CN" altLang="en-US" sz="2700" kern="1200" dirty="0" smtClean="0"/>
+            <a:rPr lang="zh-CN" altLang="en-US" sz="3200" kern="1200" dirty="0" smtClean="0"/>
             <a:t>实战</a:t>
           </a:r>
-          <a:endParaRPr lang="zh-CN" altLang="en-US" sz="2700" kern="1200" dirty="0"/>
+          <a:endParaRPr lang="zh-CN" altLang="en-US" sz="3200" kern="1200" dirty="0"/>
         </a:p>
       </dsp:txBody>
       <dsp:txXfrm>
-        <a:off x="7405179" y="585705"/>
-        <a:ext cx="1187960" cy="1041316"/>
+        <a:off x="7164021" y="525677"/>
+        <a:ext cx="1430551" cy="1253961"/>
       </dsp:txXfrm>
     </dsp:sp>
   </dsp:spTree>
@@ -14592,7 +14457,7 @@
             <a:fld id="{B61BEF0D-F0BB-DE4B-95CE-6DB70DBA9567}" type="datetimeFigureOut">
               <a:rPr lang="en-US" dirty="0"/>
               <a:pPr/>
-              <a:t>5/15/2014</a:t>
+              <a:t>5/19/2014</a:t>
             </a:fld>
             <a:endParaRPr lang="en-US" dirty="0"/>
           </a:p>
@@ -14840,7 +14705,7 @@
             <a:fld id="{B61BEF0D-F0BB-DE4B-95CE-6DB70DBA9567}" type="datetimeFigureOut">
               <a:rPr lang="en-US" dirty="0"/>
               <a:pPr/>
-              <a:t>5/15/2014</a:t>
+              <a:t>5/19/2014</a:t>
             </a:fld>
             <a:endParaRPr lang="en-US" dirty="0"/>
           </a:p>
@@ -15151,7 +15016,7 @@
             <a:fld id="{B61BEF0D-F0BB-DE4B-95CE-6DB70DBA9567}" type="datetimeFigureOut">
               <a:rPr lang="en-US" dirty="0"/>
               <a:pPr/>
-              <a:t>5/15/2014</a:t>
+              <a:t>5/19/2014</a:t>
             </a:fld>
             <a:endParaRPr lang="en-US" dirty="0"/>
           </a:p>
@@ -15489,7 +15354,7 @@
             <a:fld id="{B61BEF0D-F0BB-DE4B-95CE-6DB70DBA9567}" type="datetimeFigureOut">
               <a:rPr lang="en-US" dirty="0"/>
               <a:pPr/>
-              <a:t>5/15/2014</a:t>
+              <a:t>5/19/2014</a:t>
             </a:fld>
             <a:endParaRPr lang="en-US" dirty="0"/>
           </a:p>
@@ -15800,7 +15665,7 @@
             <a:fld id="{B61BEF0D-F0BB-DE4B-95CE-6DB70DBA9567}" type="datetimeFigureOut">
               <a:rPr lang="en-US" dirty="0"/>
               <a:pPr/>
-              <a:t>5/15/2014</a:t>
+              <a:t>5/19/2014</a:t>
             </a:fld>
             <a:endParaRPr lang="en-US" dirty="0"/>
           </a:p>
@@ -16190,7 +16055,7 @@
             <a:fld id="{B61BEF0D-F0BB-DE4B-95CE-6DB70DBA9567}" type="datetimeFigureOut">
               <a:rPr lang="en-US" dirty="0"/>
               <a:pPr/>
-              <a:t>5/15/2014</a:t>
+              <a:t>5/19/2014</a:t>
             </a:fld>
             <a:endParaRPr lang="en-US" dirty="0"/>
           </a:p>
@@ -16356,7 +16221,7 @@
           <a:p>
             <a:fld id="{55C6B4A9-1611-4792-9094-5F34BCA07E0B}" type="datetimeFigureOut">
               <a:rPr lang="en-US" dirty="0"/>
-              <a:t>5/15/2014</a:t>
+              <a:t>5/19/2014</a:t>
             </a:fld>
             <a:endParaRPr lang="en-US" dirty="0"/>
           </a:p>
@@ -16532,7 +16397,7 @@
             <a:fld id="{B61BEF0D-F0BB-DE4B-95CE-6DB70DBA9567}" type="datetimeFigureOut">
               <a:rPr lang="en-US" dirty="0"/>
               <a:pPr/>
-              <a:t>5/15/2014</a:t>
+              <a:t>5/19/2014</a:t>
             </a:fld>
             <a:endParaRPr lang="en-US" dirty="0"/>
           </a:p>
@@ -16705,7 +16570,7 @@
             <a:fld id="{B61BEF0D-F0BB-DE4B-95CE-6DB70DBA9567}" type="datetimeFigureOut">
               <a:rPr lang="en-US" dirty="0"/>
               <a:pPr/>
-              <a:t>5/15/2014</a:t>
+              <a:t>5/19/2014</a:t>
             </a:fld>
             <a:endParaRPr lang="en-US" dirty="0"/>
           </a:p>
@@ -16949,7 +16814,7 @@
             <a:fld id="{B61BEF0D-F0BB-DE4B-95CE-6DB70DBA9567}" type="datetimeFigureOut">
               <a:rPr lang="en-US" dirty="0"/>
               <a:pPr/>
-              <a:t>5/15/2014</a:t>
+              <a:t>5/19/2014</a:t>
             </a:fld>
             <a:endParaRPr lang="en-US" dirty="0"/>
           </a:p>
@@ -17177,7 +17042,7 @@
           <a:p>
             <a:fld id="{EB712588-04B1-427B-82EE-E8DB90309F08}" type="datetimeFigureOut">
               <a:rPr lang="en-US" dirty="0"/>
-              <a:t>5/15/2014</a:t>
+              <a:t>5/19/2014</a:t>
             </a:fld>
             <a:endParaRPr lang="en-US" dirty="0"/>
           </a:p>
@@ -17547,7 +17412,7 @@
             <a:fld id="{B61BEF0D-F0BB-DE4B-95CE-6DB70DBA9567}" type="datetimeFigureOut">
               <a:rPr lang="en-US" dirty="0"/>
               <a:pPr/>
-              <a:t>5/15/2014</a:t>
+              <a:t>5/19/2014</a:t>
             </a:fld>
             <a:endParaRPr lang="en-US" dirty="0"/>
           </a:p>
@@ -17667,7 +17532,7 @@
             <a:fld id="{B61BEF0D-F0BB-DE4B-95CE-6DB70DBA9567}" type="datetimeFigureOut">
               <a:rPr lang="en-US" dirty="0"/>
               <a:pPr/>
-              <a:t>5/15/2014</a:t>
+              <a:t>5/19/2014</a:t>
             </a:fld>
             <a:endParaRPr lang="en-US" dirty="0"/>
           </a:p>
@@ -17759,7 +17624,7 @@
             <a:fld id="{B61BEF0D-F0BB-DE4B-95CE-6DB70DBA9567}" type="datetimeFigureOut">
               <a:rPr lang="en-US" dirty="0"/>
               <a:pPr/>
-              <a:t>5/15/2014</a:t>
+              <a:t>5/19/2014</a:t>
             </a:fld>
             <a:endParaRPr lang="en-US" dirty="0"/>
           </a:p>
@@ -18010,7 +17875,7 @@
           <a:p>
             <a:fld id="{42A54C80-263E-416B-A8E0-580EDEADCBDC}" type="datetimeFigureOut">
               <a:rPr lang="en-US" dirty="0"/>
-              <a:t>5/15/2014</a:t>
+              <a:t>5/19/2014</a:t>
             </a:fld>
             <a:endParaRPr lang="en-US" dirty="0"/>
           </a:p>
@@ -18269,7 +18134,7 @@
             <a:fld id="{B61BEF0D-F0BB-DE4B-95CE-6DB70DBA9567}" type="datetimeFigureOut">
               <a:rPr lang="en-US" dirty="0"/>
               <a:pPr/>
-              <a:t>5/15/2014</a:t>
+              <a:t>5/19/2014</a:t>
             </a:fld>
             <a:endParaRPr lang="en-US" dirty="0"/>
           </a:p>
@@ -19009,7 +18874,7 @@
             <a:fld id="{B61BEF0D-F0BB-DE4B-95CE-6DB70DBA9567}" type="datetimeFigureOut">
               <a:rPr lang="en-US" dirty="0"/>
               <a:pPr/>
-              <a:t>5/15/2014</a:t>
+              <a:t>5/19/2014</a:t>
             </a:fld>
             <a:endParaRPr lang="en-US" dirty="0"/>
           </a:p>
@@ -19634,7 +19499,7 @@
           <a:p>
             <a:r>
               <a:rPr lang="zh-CN" altLang="en-US" dirty="0" smtClean="0"/>
-              <a:t>目标</a:t>
+              <a:t>整体目标</a:t>
             </a:r>
             <a:endParaRPr lang="zh-CN" altLang="en-US" dirty="0"/>
           </a:p>
@@ -19806,7 +19671,7 @@
             <p:ph idx="1"/>
             <p:extLst>
               <p:ext uri="{D42A27DB-BD31-4B8C-83A1-F6EECF244321}">
-                <p14:modId xmlns:p14="http://schemas.microsoft.com/office/powerpoint/2010/main" val="1165361652"/>
+                <p14:modId xmlns:p14="http://schemas.microsoft.com/office/powerpoint/2010/main" val="2594051059"/>
               </p:ext>
             </p:extLst>
           </p:nvPr>
